--- a/Laboratory/documentum/Attribute Layer System/BALs 초안.pptx
+++ b/Laboratory/documentum/Attribute Layer System/BALs 초안.pptx
@@ -2966,13 +2966,73 @@
       </p:grpSpPr>
       <p:sp>
         <p:nvSpPr>
+          <p:cNvPr id="8" name="모서리가 둥근 직사각형 7"/>
+          <p:cNvSpPr/>
+          <p:nvPr/>
+        </p:nvSpPr>
+        <p:spPr>
+          <a:xfrm>
+            <a:off x="355006" y="2993456"/>
+            <a:ext cx="7797592" cy="3583228"/>
+          </a:xfrm>
+          <a:prstGeom prst="roundRect">
+            <a:avLst>
+              <a:gd name="adj" fmla="val 4648"/>
+            </a:avLst>
+          </a:prstGeom>
+          <a:solidFill>
+            <a:schemeClr val="accent1">
+              <a:lumMod val="20000"/>
+              <a:lumOff val="80000"/>
+            </a:schemeClr>
+          </a:solidFill>
+        </p:spPr>
+        <p:style>
+          <a:lnRef idx="2">
+            <a:schemeClr val="accent1">
+              <a:shade val="50000"/>
+            </a:schemeClr>
+          </a:lnRef>
+          <a:fillRef idx="1">
+            <a:schemeClr val="accent1"/>
+          </a:fillRef>
+          <a:effectRef idx="0">
+            <a:schemeClr val="accent1"/>
+          </a:effectRef>
+          <a:fontRef idx="minor">
+            <a:schemeClr val="lt1"/>
+          </a:fontRef>
+        </p:style>
+        <p:txBody>
+          <a:bodyPr rtlCol="0" anchor="t"/>
+          <a:lstStyle/>
+          <a:p>
+            <a:pPr algn="ctr"/>
+            <a:r>
+              <a:rPr lang="en-US" altLang="ko-KR" dirty="0" smtClean="0">
+                <a:solidFill>
+                  <a:schemeClr val="tx1"/>
+                </a:solidFill>
+              </a:rPr>
+              <a:t>Interacting layer</a:t>
+            </a:r>
+            <a:endParaRPr lang="ko-KR" altLang="en-US" dirty="0">
+              <a:solidFill>
+                <a:schemeClr val="tx1"/>
+              </a:solidFill>
+            </a:endParaRPr>
+          </a:p>
+        </p:txBody>
+      </p:sp>
+      <p:sp>
+        <p:nvSpPr>
           <p:cNvPr id="6" name="모서리가 둥근 직사각형 5"/>
           <p:cNvSpPr/>
           <p:nvPr/>
         </p:nvSpPr>
         <p:spPr>
           <a:xfrm>
-            <a:off x="3095629" y="2849078"/>
+            <a:off x="978071" y="3715352"/>
             <a:ext cx="6551462" cy="2740424"/>
           </a:xfrm>
           <a:prstGeom prst="roundRect">
@@ -3032,7 +3092,7 @@
         </p:nvSpPr>
         <p:spPr>
           <a:xfrm>
-            <a:off x="3854701" y="3617625"/>
+            <a:off x="1737143" y="4483899"/>
             <a:ext cx="5033319" cy="1713470"/>
           </a:xfrm>
           <a:prstGeom prst="roundRect">
@@ -3064,7 +3124,7 @@
           </a:fontRef>
         </p:style>
         <p:txBody>
-          <a:bodyPr rtlCol="0" anchor="ctr"/>
+          <a:bodyPr rtlCol="0" anchor="t"/>
           <a:lstStyle/>
           <a:p>
             <a:pPr algn="ctr"/>
@@ -3144,6 +3204,74 @@
               <a:t>&lt;Configuration&gt;</a:t>
             </a:r>
             <a:endParaRPr lang="ko-KR" altLang="en-US" dirty="0"/>
+          </a:p>
+        </p:txBody>
+      </p:sp>
+      <p:sp>
+        <p:nvSpPr>
+          <p:cNvPr id="9" name="모서리가 둥근 직사각형 8"/>
+          <p:cNvSpPr/>
+          <p:nvPr/>
+        </p:nvSpPr>
+        <p:spPr>
+          <a:xfrm>
+            <a:off x="2661121" y="4937760"/>
+            <a:ext cx="3200664" cy="1031124"/>
+          </a:xfrm>
+          <a:prstGeom prst="roundRect">
+            <a:avLst>
+              <a:gd name="adj" fmla="val 4648"/>
+            </a:avLst>
+          </a:prstGeom>
+          <a:solidFill>
+            <a:schemeClr val="accent4">
+              <a:lumMod val="20000"/>
+              <a:lumOff val="80000"/>
+            </a:schemeClr>
+          </a:solidFill>
+        </p:spPr>
+        <p:style>
+          <a:lnRef idx="2">
+            <a:schemeClr val="accent1">
+              <a:shade val="50000"/>
+            </a:schemeClr>
+          </a:lnRef>
+          <a:fillRef idx="1">
+            <a:schemeClr val="accent1"/>
+          </a:fillRef>
+          <a:effectRef idx="0">
+            <a:schemeClr val="accent1"/>
+          </a:effectRef>
+          <a:fontRef idx="minor">
+            <a:schemeClr val="lt1"/>
+          </a:fontRef>
+        </p:style>
+        <p:txBody>
+          <a:bodyPr rtlCol="0" anchor="ctr"/>
+          <a:lstStyle/>
+          <a:p>
+            <a:pPr algn="ctr"/>
+            <a:r>
+              <a:rPr lang="en-US" altLang="ko-KR" smtClean="0">
+                <a:solidFill>
+                  <a:schemeClr val="tx1"/>
+                </a:solidFill>
+              </a:rPr>
+              <a:t>Affiliation </a:t>
+            </a:r>
+            <a:r>
+              <a:rPr lang="en-US" altLang="ko-KR" dirty="0" smtClean="0">
+                <a:solidFill>
+                  <a:schemeClr val="tx1"/>
+                </a:solidFill>
+              </a:rPr>
+              <a:t>layer</a:t>
+            </a:r>
+            <a:endParaRPr lang="ko-KR" altLang="en-US" dirty="0">
+              <a:solidFill>
+                <a:schemeClr val="tx1"/>
+              </a:solidFill>
+            </a:endParaRPr>
           </a:p>
         </p:txBody>
       </p:sp>

--- a/Laboratory/documentum/Attribute Layer System/BALs 초안.pptx
+++ b/Laboratory/documentum/Attribute Layer System/BALs 초안.pptx
@@ -6,6 +6,11 @@
   </p:sldMasterIdLst>
   <p:sldIdLst>
     <p:sldId id="256" r:id="rId2"/>
+    <p:sldId id="257" r:id="rId3"/>
+    <p:sldId id="258" r:id="rId4"/>
+    <p:sldId id="259" r:id="rId5"/>
+    <p:sldId id="260" r:id="rId6"/>
+    <p:sldId id="261" r:id="rId7"/>
   </p:sldIdLst>
   <p:sldSz cx="12192000" cy="6858000"/>
   <p:notesSz cx="6858000" cy="9144000"/>
@@ -104,6 +109,11 @@
       </a:defRPr>
     </a:lvl9pPr>
   </p:defaultTextStyle>
+  <p:extLst>
+    <p:ext uri="{EFAFB233-063F-42B5-8137-9DF3F51BA10A}">
+      <p15:sldGuideLst xmlns:p15="http://schemas.microsoft.com/office/powerpoint/2012/main"/>
+    </p:ext>
+  </p:extLst>
 </p:presentation>
 </file>
 
@@ -238,7 +248,7 @@
           <a:p>
             <a:fld id="{F8AAC234-330B-4F76-8181-954F0021DFFA}" type="datetimeFigureOut">
               <a:rPr lang="ko-KR" altLang="en-US" smtClean="0"/>
-              <a:t>2022-06-23</a:t>
+              <a:t>2022-06-24</a:t>
             </a:fld>
             <a:endParaRPr lang="ko-KR" altLang="en-US"/>
           </a:p>
@@ -408,7 +418,7 @@
           <a:p>
             <a:fld id="{F8AAC234-330B-4F76-8181-954F0021DFFA}" type="datetimeFigureOut">
               <a:rPr lang="ko-KR" altLang="en-US" smtClean="0"/>
-              <a:t>2022-06-23</a:t>
+              <a:t>2022-06-24</a:t>
             </a:fld>
             <a:endParaRPr lang="ko-KR" altLang="en-US"/>
           </a:p>
@@ -588,7 +598,7 @@
           <a:p>
             <a:fld id="{F8AAC234-330B-4F76-8181-954F0021DFFA}" type="datetimeFigureOut">
               <a:rPr lang="ko-KR" altLang="en-US" smtClean="0"/>
-              <a:t>2022-06-23</a:t>
+              <a:t>2022-06-24</a:t>
             </a:fld>
             <a:endParaRPr lang="ko-KR" altLang="en-US"/>
           </a:p>
@@ -758,7 +768,7 @@
           <a:p>
             <a:fld id="{F8AAC234-330B-4F76-8181-954F0021DFFA}" type="datetimeFigureOut">
               <a:rPr lang="ko-KR" altLang="en-US" smtClean="0"/>
-              <a:t>2022-06-23</a:t>
+              <a:t>2022-06-24</a:t>
             </a:fld>
             <a:endParaRPr lang="ko-KR" altLang="en-US"/>
           </a:p>
@@ -1004,7 +1014,7 @@
           <a:p>
             <a:fld id="{F8AAC234-330B-4F76-8181-954F0021DFFA}" type="datetimeFigureOut">
               <a:rPr lang="ko-KR" altLang="en-US" smtClean="0"/>
-              <a:t>2022-06-23</a:t>
+              <a:t>2022-06-24</a:t>
             </a:fld>
             <a:endParaRPr lang="ko-KR" altLang="en-US"/>
           </a:p>
@@ -1236,7 +1246,7 @@
           <a:p>
             <a:fld id="{F8AAC234-330B-4F76-8181-954F0021DFFA}" type="datetimeFigureOut">
               <a:rPr lang="ko-KR" altLang="en-US" smtClean="0"/>
-              <a:t>2022-06-23</a:t>
+              <a:t>2022-06-24</a:t>
             </a:fld>
             <a:endParaRPr lang="ko-KR" altLang="en-US"/>
           </a:p>
@@ -1603,7 +1613,7 @@
           <a:p>
             <a:fld id="{F8AAC234-330B-4F76-8181-954F0021DFFA}" type="datetimeFigureOut">
               <a:rPr lang="ko-KR" altLang="en-US" smtClean="0"/>
-              <a:t>2022-06-23</a:t>
+              <a:t>2022-06-24</a:t>
             </a:fld>
             <a:endParaRPr lang="ko-KR" altLang="en-US"/>
           </a:p>
@@ -1721,7 +1731,7 @@
           <a:p>
             <a:fld id="{F8AAC234-330B-4F76-8181-954F0021DFFA}" type="datetimeFigureOut">
               <a:rPr lang="ko-KR" altLang="en-US" smtClean="0"/>
-              <a:t>2022-06-23</a:t>
+              <a:t>2022-06-24</a:t>
             </a:fld>
             <a:endParaRPr lang="ko-KR" altLang="en-US"/>
           </a:p>
@@ -1816,7 +1826,7 @@
           <a:p>
             <a:fld id="{F8AAC234-330B-4F76-8181-954F0021DFFA}" type="datetimeFigureOut">
               <a:rPr lang="ko-KR" altLang="en-US" smtClean="0"/>
-              <a:t>2022-06-23</a:t>
+              <a:t>2022-06-24</a:t>
             </a:fld>
             <a:endParaRPr lang="ko-KR" altLang="en-US"/>
           </a:p>
@@ -2093,7 +2103,7 @@
           <a:p>
             <a:fld id="{F8AAC234-330B-4F76-8181-954F0021DFFA}" type="datetimeFigureOut">
               <a:rPr lang="ko-KR" altLang="en-US" smtClean="0"/>
-              <a:t>2022-06-23</a:t>
+              <a:t>2022-06-24</a:t>
             </a:fld>
             <a:endParaRPr lang="ko-KR" altLang="en-US"/>
           </a:p>
@@ -2346,7 +2356,7 @@
           <a:p>
             <a:fld id="{F8AAC234-330B-4F76-8181-954F0021DFFA}" type="datetimeFigureOut">
               <a:rPr lang="ko-KR" altLang="en-US" smtClean="0"/>
-              <a:t>2022-06-23</a:t>
+              <a:t>2022-06-24</a:t>
             </a:fld>
             <a:endParaRPr lang="ko-KR" altLang="en-US"/>
           </a:p>
@@ -2559,7 +2569,7 @@
           <a:p>
             <a:fld id="{F8AAC234-330B-4F76-8181-954F0021DFFA}" type="datetimeFigureOut">
               <a:rPr lang="ko-KR" altLang="en-US" smtClean="0"/>
-              <a:t>2022-06-23</a:t>
+              <a:t>2022-06-24</a:t>
             </a:fld>
             <a:endParaRPr lang="ko-KR" altLang="en-US"/>
           </a:p>
@@ -2966,14 +2976,14 @@
       </p:grpSpPr>
       <p:sp>
         <p:nvSpPr>
-          <p:cNvPr id="8" name="모서리가 둥근 직사각형 7"/>
+          <p:cNvPr id="19" name="모서리가 둥근 직사각형 18"/>
           <p:cNvSpPr/>
           <p:nvPr/>
         </p:nvSpPr>
         <p:spPr>
           <a:xfrm>
-            <a:off x="355006" y="2993456"/>
-            <a:ext cx="7797592" cy="3583228"/>
+            <a:off x="355006" y="2868328"/>
+            <a:ext cx="7797592" cy="3437037"/>
           </a:xfrm>
           <a:prstGeom prst="roundRect">
             <a:avLst>
@@ -2981,10 +2991,7 @@
             </a:avLst>
           </a:prstGeom>
           <a:solidFill>
-            <a:schemeClr val="accent1">
-              <a:lumMod val="20000"/>
-              <a:lumOff val="80000"/>
-            </a:schemeClr>
+            <a:schemeClr val="bg2"/>
           </a:solidFill>
         </p:spPr>
         <p:style>
@@ -3014,7 +3021,23 @@
                   <a:schemeClr val="tx1"/>
                 </a:solidFill>
               </a:rPr>
-              <a:t>Interacting layer</a:t>
+              <a:t>Interacting</a:t>
+            </a:r>
+            <a:r>
+              <a:rPr lang="en-US" altLang="ko-KR" dirty="0" smtClean="0">
+                <a:solidFill>
+                  <a:schemeClr val="tx1"/>
+                </a:solidFill>
+              </a:rPr>
+              <a:t> </a:t>
+            </a:r>
+            <a:r>
+              <a:rPr lang="en-US" altLang="ko-KR" dirty="0" smtClean="0">
+                <a:solidFill>
+                  <a:schemeClr val="tx1"/>
+                </a:solidFill>
+              </a:rPr>
+              <a:t>layer</a:t>
             </a:r>
             <a:endParaRPr lang="ko-KR" altLang="en-US" dirty="0">
               <a:solidFill>
@@ -3026,14 +3049,14 @@
       </p:sp>
       <p:sp>
         <p:nvSpPr>
-          <p:cNvPr id="6" name="모서리가 둥근 직사각형 5"/>
+          <p:cNvPr id="8" name="모서리가 둥근 직사각형 7"/>
           <p:cNvSpPr/>
           <p:nvPr/>
         </p:nvSpPr>
         <p:spPr>
           <a:xfrm>
-            <a:off x="978071" y="3715352"/>
-            <a:ext cx="6551462" cy="2740424"/>
+            <a:off x="648707" y="3462435"/>
+            <a:ext cx="7210190" cy="2798321"/>
           </a:xfrm>
           <a:prstGeom prst="roundRect">
             <a:avLst>
@@ -3041,7 +3064,7 @@
             </a:avLst>
           </a:prstGeom>
           <a:solidFill>
-            <a:schemeClr val="accent6">
+            <a:schemeClr val="accent1">
               <a:lumMod val="20000"/>
               <a:lumOff val="80000"/>
             </a:schemeClr>
@@ -3074,7 +3097,15 @@
                   <a:schemeClr val="tx1"/>
                 </a:solidFill>
               </a:rPr>
-              <a:t>Placement layer</a:t>
+              <a:t>Representing </a:t>
+            </a:r>
+            <a:r>
+              <a:rPr lang="en-US" altLang="ko-KR" dirty="0" smtClean="0">
+                <a:solidFill>
+                  <a:schemeClr val="tx1"/>
+                </a:solidFill>
+              </a:rPr>
+              <a:t>layer</a:t>
             </a:r>
             <a:endParaRPr lang="ko-KR" altLang="en-US" dirty="0">
               <a:solidFill>
@@ -3086,14 +3117,14 @@
       </p:sp>
       <p:sp>
         <p:nvSpPr>
-          <p:cNvPr id="4" name="모서리가 둥근 직사각형 3"/>
+          <p:cNvPr id="6" name="모서리가 둥근 직사각형 5"/>
           <p:cNvSpPr/>
           <p:nvPr/>
         </p:nvSpPr>
         <p:spPr>
           <a:xfrm>
-            <a:off x="1737143" y="4483899"/>
-            <a:ext cx="5033319" cy="1713470"/>
+            <a:off x="1224836" y="4032984"/>
+            <a:ext cx="6057932" cy="2181173"/>
           </a:xfrm>
           <a:prstGeom prst="roundRect">
             <a:avLst>
@@ -3101,7 +3132,7 @@
             </a:avLst>
           </a:prstGeom>
           <a:solidFill>
-            <a:schemeClr val="accent4">
+            <a:schemeClr val="accent6">
               <a:lumMod val="20000"/>
               <a:lumOff val="80000"/>
             </a:schemeClr>
@@ -3134,7 +3165,7 @@
                   <a:schemeClr val="tx1"/>
                 </a:solidFill>
               </a:rPr>
-              <a:t>Shape layer</a:t>
+              <a:t>Placement layer</a:t>
             </a:r>
             <a:endParaRPr lang="ko-KR" altLang="en-US" dirty="0">
               <a:solidFill>
@@ -3146,77 +3177,14 @@
       </p:sp>
       <p:sp>
         <p:nvSpPr>
-          <p:cNvPr id="5" name="TextBox 4"/>
-          <p:cNvSpPr txBox="1"/>
-          <p:nvPr/>
-        </p:nvSpPr>
-        <p:spPr>
-          <a:xfrm>
-            <a:off x="749643" y="461319"/>
-            <a:ext cx="3097643" cy="369332"/>
-          </a:xfrm>
-          <a:prstGeom prst="rect">
-            <a:avLst/>
-          </a:prstGeom>
-          <a:noFill/>
-        </p:spPr>
-        <p:txBody>
-          <a:bodyPr wrap="none" rtlCol="0">
-            <a:spAutoFit/>
-          </a:bodyPr>
-          <a:lstStyle/>
-          <a:p>
-            <a:r>
-              <a:rPr lang="en-US" altLang="ko-KR" dirty="0" smtClean="0"/>
-              <a:t>Attribute Layer System </a:t>
-            </a:r>
-            <a:r>
-              <a:rPr lang="ko-KR" altLang="en-US" dirty="0" smtClean="0"/>
-              <a:t>초안</a:t>
-            </a:r>
-            <a:endParaRPr lang="ko-KR" altLang="en-US" dirty="0"/>
-          </a:p>
-        </p:txBody>
-      </p:sp>
-      <p:sp>
-        <p:nvSpPr>
-          <p:cNvPr id="7" name="직사각형 6"/>
+          <p:cNvPr id="4" name="모서리가 둥근 직사각형 3"/>
           <p:cNvSpPr/>
           <p:nvPr/>
         </p:nvSpPr>
         <p:spPr>
           <a:xfrm>
-            <a:off x="553900" y="1367408"/>
-            <a:ext cx="1936749" cy="369332"/>
-          </a:xfrm>
-          <a:prstGeom prst="rect">
-            <a:avLst/>
-          </a:prstGeom>
-        </p:spPr>
-        <p:txBody>
-          <a:bodyPr wrap="none">
-            <a:spAutoFit/>
-          </a:bodyPr>
-          <a:lstStyle/>
-          <a:p>
-            <a:r>
-              <a:rPr lang="en-US" altLang="ko-KR" dirty="0" smtClean="0"/>
-              <a:t>&lt;Configuration&gt;</a:t>
-            </a:r>
-            <a:endParaRPr lang="ko-KR" altLang="en-US" dirty="0"/>
-          </a:p>
-        </p:txBody>
-      </p:sp>
-      <p:sp>
-        <p:nvSpPr>
-          <p:cNvPr id="9" name="모서리가 둥근 직사각형 8"/>
-          <p:cNvSpPr/>
-          <p:nvPr/>
-        </p:nvSpPr>
-        <p:spPr>
-          <a:xfrm>
-            <a:off x="2661121" y="4937760"/>
-            <a:ext cx="3200664" cy="1031124"/>
+            <a:off x="1926726" y="4634973"/>
+            <a:ext cx="4654154" cy="1411322"/>
           </a:xfrm>
           <a:prstGeom prst="roundRect">
             <a:avLst>
@@ -3247,6 +3215,129 @@
           </a:fontRef>
         </p:style>
         <p:txBody>
+          <a:bodyPr rtlCol="0" anchor="t"/>
+          <a:lstStyle/>
+          <a:p>
+            <a:pPr algn="ctr"/>
+            <a:r>
+              <a:rPr lang="en-US" altLang="ko-KR" dirty="0" smtClean="0">
+                <a:solidFill>
+                  <a:schemeClr val="tx1"/>
+                </a:solidFill>
+              </a:rPr>
+              <a:t>Shape layer</a:t>
+            </a:r>
+            <a:endParaRPr lang="ko-KR" altLang="en-US" dirty="0">
+              <a:solidFill>
+                <a:schemeClr val="tx1"/>
+              </a:solidFill>
+            </a:endParaRPr>
+          </a:p>
+        </p:txBody>
+      </p:sp>
+      <p:sp>
+        <p:nvSpPr>
+          <p:cNvPr id="5" name="TextBox 4"/>
+          <p:cNvSpPr txBox="1"/>
+          <p:nvPr/>
+        </p:nvSpPr>
+        <p:spPr>
+          <a:xfrm>
+            <a:off x="749643" y="461319"/>
+            <a:ext cx="3097643" cy="369332"/>
+          </a:xfrm>
+          <a:prstGeom prst="rect">
+            <a:avLst/>
+          </a:prstGeom>
+          <a:noFill/>
+        </p:spPr>
+        <p:txBody>
+          <a:bodyPr wrap="none" rtlCol="0">
+            <a:spAutoFit/>
+          </a:bodyPr>
+          <a:lstStyle/>
+          <a:p>
+            <a:r>
+              <a:rPr lang="en-US" altLang="ko-KR" dirty="0" smtClean="0"/>
+              <a:t>Attribute Layer System </a:t>
+            </a:r>
+            <a:r>
+              <a:rPr lang="ko-KR" altLang="en-US" dirty="0" smtClean="0"/>
+              <a:t>초안</a:t>
+            </a:r>
+            <a:endParaRPr lang="ko-KR" altLang="en-US" dirty="0"/>
+          </a:p>
+        </p:txBody>
+      </p:sp>
+      <p:sp>
+        <p:nvSpPr>
+          <p:cNvPr id="7" name="직사각형 6"/>
+          <p:cNvSpPr/>
+          <p:nvPr/>
+        </p:nvSpPr>
+        <p:spPr>
+          <a:xfrm>
+            <a:off x="553900" y="1367408"/>
+            <a:ext cx="1936749" cy="369332"/>
+          </a:xfrm>
+          <a:prstGeom prst="rect">
+            <a:avLst/>
+          </a:prstGeom>
+        </p:spPr>
+        <p:txBody>
+          <a:bodyPr wrap="none">
+            <a:spAutoFit/>
+          </a:bodyPr>
+          <a:lstStyle/>
+          <a:p>
+            <a:r>
+              <a:rPr lang="en-US" altLang="ko-KR" dirty="0" smtClean="0"/>
+              <a:t>&lt;Configuration&gt;</a:t>
+            </a:r>
+            <a:endParaRPr lang="ko-KR" altLang="en-US" dirty="0"/>
+          </a:p>
+        </p:txBody>
+      </p:sp>
+      <p:sp>
+        <p:nvSpPr>
+          <p:cNvPr id="9" name="모서리가 둥근 직사각형 8"/>
+          <p:cNvSpPr/>
+          <p:nvPr/>
+        </p:nvSpPr>
+        <p:spPr>
+          <a:xfrm>
+            <a:off x="2781676" y="5028672"/>
+            <a:ext cx="2959554" cy="849300"/>
+          </a:xfrm>
+          <a:prstGeom prst="roundRect">
+            <a:avLst>
+              <a:gd name="adj" fmla="val 4648"/>
+            </a:avLst>
+          </a:prstGeom>
+          <a:solidFill>
+            <a:schemeClr val="accent2">
+              <a:lumMod val="20000"/>
+              <a:lumOff val="80000"/>
+            </a:schemeClr>
+          </a:solidFill>
+        </p:spPr>
+        <p:style>
+          <a:lnRef idx="2">
+            <a:schemeClr val="accent1">
+              <a:shade val="50000"/>
+            </a:schemeClr>
+          </a:lnRef>
+          <a:fillRef idx="1">
+            <a:schemeClr val="accent1"/>
+          </a:fillRef>
+          <a:effectRef idx="0">
+            <a:schemeClr val="accent1"/>
+          </a:effectRef>
+          <a:fontRef idx="minor">
+            <a:schemeClr val="lt1"/>
+          </a:fontRef>
+        </p:style>
+        <p:txBody>
           <a:bodyPr rtlCol="0" anchor="ctr"/>
           <a:lstStyle/>
           <a:p>
@@ -3275,10 +3366,2492 @@
           </a:p>
         </p:txBody>
       </p:sp>
+      <p:sp>
+        <p:nvSpPr>
+          <p:cNvPr id="2" name="TextBox 1"/>
+          <p:cNvSpPr txBox="1"/>
+          <p:nvPr/>
+        </p:nvSpPr>
+        <p:spPr>
+          <a:xfrm>
+            <a:off x="8419070" y="1285103"/>
+            <a:ext cx="2046138" cy="369332"/>
+          </a:xfrm>
+          <a:prstGeom prst="rect">
+            <a:avLst/>
+          </a:prstGeom>
+          <a:noFill/>
+        </p:spPr>
+        <p:txBody>
+          <a:bodyPr wrap="none" rtlCol="0">
+            <a:spAutoFit/>
+          </a:bodyPr>
+          <a:lstStyle/>
+          <a:p>
+            <a:r>
+              <a:rPr lang="en-US" altLang="ko-KR" dirty="0" smtClean="0"/>
+              <a:t>Layer + metadata</a:t>
+            </a:r>
+            <a:endParaRPr lang="ko-KR" altLang="en-US" dirty="0"/>
+          </a:p>
+        </p:txBody>
+      </p:sp>
+      <p:sp>
+        <p:nvSpPr>
+          <p:cNvPr id="10" name="TextBox 9"/>
+          <p:cNvSpPr txBox="1"/>
+          <p:nvPr/>
+        </p:nvSpPr>
+        <p:spPr>
+          <a:xfrm>
+            <a:off x="8152598" y="561544"/>
+            <a:ext cx="3062377" cy="369332"/>
+          </a:xfrm>
+          <a:prstGeom prst="rect">
+            <a:avLst/>
+          </a:prstGeom>
+          <a:noFill/>
+        </p:spPr>
+        <p:txBody>
+          <a:bodyPr wrap="none" rtlCol="0">
+            <a:spAutoFit/>
+          </a:bodyPr>
+          <a:lstStyle/>
+          <a:p>
+            <a:r>
+              <a:rPr lang="en-US" altLang="ko-KR" dirty="0" smtClean="0"/>
+              <a:t>Hash value </a:t>
+            </a:r>
+            <a:r>
+              <a:rPr lang="ko-KR" altLang="en-US" dirty="0" smtClean="0"/>
+              <a:t>가 꼭 필요한가</a:t>
+            </a:r>
+            <a:r>
+              <a:rPr lang="en-US" altLang="ko-KR" dirty="0" smtClean="0"/>
+              <a:t>?</a:t>
+            </a:r>
+            <a:endParaRPr lang="ko-KR" altLang="en-US" dirty="0"/>
+          </a:p>
+        </p:txBody>
+      </p:sp>
+      <p:sp>
+        <p:nvSpPr>
+          <p:cNvPr id="11" name="TextBox 10"/>
+          <p:cNvSpPr txBox="1"/>
+          <p:nvPr/>
+        </p:nvSpPr>
+        <p:spPr>
+          <a:xfrm>
+            <a:off x="9933272" y="1774813"/>
+            <a:ext cx="1665603" cy="646331"/>
+          </a:xfrm>
+          <a:prstGeom prst="rect">
+            <a:avLst/>
+          </a:prstGeom>
+          <a:noFill/>
+        </p:spPr>
+        <p:txBody>
+          <a:bodyPr wrap="square" rtlCol="0">
+            <a:spAutoFit/>
+          </a:bodyPr>
+          <a:lstStyle/>
+          <a:p>
+            <a:r>
+              <a:rPr lang="ko-KR" altLang="en-US" dirty="0" smtClean="0"/>
+              <a:t>읽기 속성</a:t>
+            </a:r>
+            <a:endParaRPr lang="en-US" altLang="ko-KR" dirty="0" smtClean="0"/>
+          </a:p>
+          <a:p>
+            <a:r>
+              <a:rPr lang="ko-KR" altLang="en-US" dirty="0" smtClean="0"/>
+              <a:t>쓰기 속성</a:t>
+            </a:r>
+            <a:endParaRPr lang="ko-KR" altLang="en-US" dirty="0"/>
+          </a:p>
+        </p:txBody>
+      </p:sp>
+      <p:cxnSp>
+        <p:nvCxnSpPr>
+          <p:cNvPr id="12" name="직선 연결선 11"/>
+          <p:cNvCxnSpPr/>
+          <p:nvPr/>
+        </p:nvCxnSpPr>
+        <p:spPr>
+          <a:xfrm>
+            <a:off x="164757" y="4634973"/>
+            <a:ext cx="11434118" cy="0"/>
+          </a:xfrm>
+          <a:prstGeom prst="line">
+            <a:avLst/>
+          </a:prstGeom>
+          <a:ln w="34925">
+            <a:solidFill>
+              <a:schemeClr val="accent1"/>
+            </a:solidFill>
+            <a:prstDash val="dash"/>
+          </a:ln>
+        </p:spPr>
+        <p:style>
+          <a:lnRef idx="1">
+            <a:schemeClr val="accent1"/>
+          </a:lnRef>
+          <a:fillRef idx="0">
+            <a:schemeClr val="accent1"/>
+          </a:fillRef>
+          <a:effectRef idx="0">
+            <a:schemeClr val="accent1"/>
+          </a:effectRef>
+          <a:fontRef idx="minor">
+            <a:schemeClr val="tx1"/>
+          </a:fontRef>
+        </p:style>
+      </p:cxnSp>
+      <p:sp>
+        <p:nvSpPr>
+          <p:cNvPr id="14" name="TextBox 13"/>
+          <p:cNvSpPr txBox="1"/>
+          <p:nvPr/>
+        </p:nvSpPr>
+        <p:spPr>
+          <a:xfrm>
+            <a:off x="8351260" y="4183336"/>
+            <a:ext cx="1843368" cy="369332"/>
+          </a:xfrm>
+          <a:prstGeom prst="rect">
+            <a:avLst/>
+          </a:prstGeom>
+          <a:noFill/>
+        </p:spPr>
+        <p:txBody>
+          <a:bodyPr wrap="square" rtlCol="0">
+            <a:spAutoFit/>
+          </a:bodyPr>
+          <a:lstStyle/>
+          <a:p>
+            <a:r>
+              <a:rPr lang="en-US" altLang="ko-KR" dirty="0" smtClean="0"/>
+              <a:t>Container layer</a:t>
+            </a:r>
+            <a:endParaRPr lang="ko-KR" altLang="en-US" dirty="0"/>
+          </a:p>
+        </p:txBody>
+      </p:sp>
+      <p:sp>
+        <p:nvSpPr>
+          <p:cNvPr id="15" name="TextBox 14"/>
+          <p:cNvSpPr txBox="1"/>
+          <p:nvPr/>
+        </p:nvSpPr>
+        <p:spPr>
+          <a:xfrm>
+            <a:off x="8351259" y="4776929"/>
+            <a:ext cx="2276505" cy="369332"/>
+          </a:xfrm>
+          <a:prstGeom prst="rect">
+            <a:avLst/>
+          </a:prstGeom>
+          <a:noFill/>
+        </p:spPr>
+        <p:txBody>
+          <a:bodyPr wrap="square" rtlCol="0">
+            <a:spAutoFit/>
+          </a:bodyPr>
+          <a:lstStyle/>
+          <a:p>
+            <a:r>
+              <a:rPr lang="en-US" altLang="ko-KR" dirty="0" smtClean="0"/>
+              <a:t>Image layer</a:t>
+            </a:r>
+            <a:endParaRPr lang="ko-KR" altLang="en-US" dirty="0"/>
+          </a:p>
+        </p:txBody>
+      </p:sp>
+      <p:sp>
+        <p:nvSpPr>
+          <p:cNvPr id="16" name="TextBox 15"/>
+          <p:cNvSpPr txBox="1"/>
+          <p:nvPr/>
+        </p:nvSpPr>
+        <p:spPr>
+          <a:xfrm>
+            <a:off x="10295338" y="4776929"/>
+            <a:ext cx="1718897" cy="369332"/>
+          </a:xfrm>
+          <a:prstGeom prst="rect">
+            <a:avLst/>
+          </a:prstGeom>
+          <a:noFill/>
+        </p:spPr>
+        <p:txBody>
+          <a:bodyPr wrap="square" rtlCol="0">
+            <a:spAutoFit/>
+          </a:bodyPr>
+          <a:lstStyle/>
+          <a:p>
+            <a:r>
+              <a:rPr lang="en-US" altLang="ko-KR" dirty="0" smtClean="0"/>
+              <a:t>Family layer</a:t>
+            </a:r>
+            <a:endParaRPr lang="ko-KR" altLang="en-US" dirty="0"/>
+          </a:p>
+        </p:txBody>
+      </p:sp>
+      <p:sp>
+        <p:nvSpPr>
+          <p:cNvPr id="17" name="TextBox 16"/>
+          <p:cNvSpPr txBox="1"/>
+          <p:nvPr/>
+        </p:nvSpPr>
+        <p:spPr>
+          <a:xfrm>
+            <a:off x="10295338" y="4183336"/>
+            <a:ext cx="1665603" cy="369332"/>
+          </a:xfrm>
+          <a:prstGeom prst="rect">
+            <a:avLst/>
+          </a:prstGeom>
+          <a:noFill/>
+        </p:spPr>
+        <p:txBody>
+          <a:bodyPr wrap="square" rtlCol="0">
+            <a:spAutoFit/>
+          </a:bodyPr>
+          <a:lstStyle/>
+          <a:p>
+            <a:r>
+              <a:rPr lang="en-US" altLang="ko-KR" dirty="0" smtClean="0"/>
+              <a:t>Instance layer</a:t>
+            </a:r>
+            <a:endParaRPr lang="ko-KR" altLang="en-US" dirty="0"/>
+          </a:p>
+        </p:txBody>
+      </p:sp>
     </p:spTree>
     <p:extLst>
       <p:ext uri="{BB962C8B-B14F-4D97-AF65-F5344CB8AC3E}">
         <p14:creationId xmlns:p14="http://schemas.microsoft.com/office/powerpoint/2010/main" val="312050539"/>
+      </p:ext>
+    </p:extLst>
+  </p:cSld>
+  <p:clrMapOvr>
+    <a:masterClrMapping/>
+  </p:clrMapOvr>
+</p:sld>
+</file>
+
+<file path=ppt/slides/slide2.xml><?xml version="1.0" encoding="utf-8"?>
+<p:sld xmlns:a="http://schemas.openxmlformats.org/drawingml/2006/main" xmlns:r="http://schemas.openxmlformats.org/officeDocument/2006/relationships" xmlns:p="http://schemas.openxmlformats.org/presentationml/2006/main">
+  <p:cSld>
+    <p:spTree>
+      <p:nvGrpSpPr>
+        <p:cNvPr id="1" name=""/>
+        <p:cNvGrpSpPr/>
+        <p:nvPr/>
+      </p:nvGrpSpPr>
+      <p:grpSpPr>
+        <a:xfrm>
+          <a:off x="0" y="0"/>
+          <a:ext cx="0" cy="0"/>
+          <a:chOff x="0" y="0"/>
+          <a:chExt cx="0" cy="0"/>
+        </a:xfrm>
+      </p:grpSpPr>
+      <p:sp>
+        <p:nvSpPr>
+          <p:cNvPr id="8" name="모서리가 둥근 직사각형 7"/>
+          <p:cNvSpPr/>
+          <p:nvPr/>
+        </p:nvSpPr>
+        <p:spPr>
+          <a:xfrm>
+            <a:off x="335755" y="2160251"/>
+            <a:ext cx="3389222" cy="4524017"/>
+          </a:xfrm>
+          <a:prstGeom prst="roundRect">
+            <a:avLst>
+              <a:gd name="adj" fmla="val 4648"/>
+            </a:avLst>
+          </a:prstGeom>
+          <a:solidFill>
+            <a:schemeClr val="accent1">
+              <a:lumMod val="20000"/>
+              <a:lumOff val="80000"/>
+            </a:schemeClr>
+          </a:solidFill>
+        </p:spPr>
+        <p:style>
+          <a:lnRef idx="2">
+            <a:schemeClr val="accent1">
+              <a:shade val="50000"/>
+            </a:schemeClr>
+          </a:lnRef>
+          <a:fillRef idx="1">
+            <a:schemeClr val="accent1"/>
+          </a:fillRef>
+          <a:effectRef idx="0">
+            <a:schemeClr val="accent1"/>
+          </a:effectRef>
+          <a:fontRef idx="minor">
+            <a:schemeClr val="lt1"/>
+          </a:fontRef>
+        </p:style>
+        <p:txBody>
+          <a:bodyPr rtlCol="0" anchor="t"/>
+          <a:lstStyle/>
+          <a:p>
+            <a:pPr algn="ctr"/>
+            <a:r>
+              <a:rPr lang="en-US" altLang="ko-KR" dirty="0" smtClean="0">
+                <a:solidFill>
+                  <a:schemeClr val="bg1">
+                    <a:lumMod val="65000"/>
+                  </a:schemeClr>
+                </a:solidFill>
+              </a:rPr>
+              <a:t>Interacting layer</a:t>
+            </a:r>
+            <a:endParaRPr lang="ko-KR" altLang="en-US" dirty="0">
+              <a:solidFill>
+                <a:schemeClr val="bg1">
+                  <a:lumMod val="65000"/>
+                </a:schemeClr>
+              </a:solidFill>
+            </a:endParaRPr>
+          </a:p>
+        </p:txBody>
+      </p:sp>
+      <p:sp>
+        <p:nvSpPr>
+          <p:cNvPr id="6" name="모서리가 둥근 직사각형 5"/>
+          <p:cNvSpPr/>
+          <p:nvPr/>
+        </p:nvSpPr>
+        <p:spPr>
+          <a:xfrm>
+            <a:off x="606570" y="3177736"/>
+            <a:ext cx="2847592" cy="3459933"/>
+          </a:xfrm>
+          <a:prstGeom prst="roundRect">
+            <a:avLst>
+              <a:gd name="adj" fmla="val 4648"/>
+            </a:avLst>
+          </a:prstGeom>
+          <a:solidFill>
+            <a:schemeClr val="accent6">
+              <a:lumMod val="20000"/>
+              <a:lumOff val="80000"/>
+            </a:schemeClr>
+          </a:solidFill>
+        </p:spPr>
+        <p:style>
+          <a:lnRef idx="2">
+            <a:schemeClr val="accent1">
+              <a:shade val="50000"/>
+            </a:schemeClr>
+          </a:lnRef>
+          <a:fillRef idx="1">
+            <a:schemeClr val="accent1"/>
+          </a:fillRef>
+          <a:effectRef idx="0">
+            <a:schemeClr val="accent1"/>
+          </a:effectRef>
+          <a:fontRef idx="minor">
+            <a:schemeClr val="lt1"/>
+          </a:fontRef>
+        </p:style>
+        <p:txBody>
+          <a:bodyPr rtlCol="0" anchor="t"/>
+          <a:lstStyle/>
+          <a:p>
+            <a:pPr algn="ctr"/>
+            <a:r>
+              <a:rPr lang="en-US" altLang="ko-KR" dirty="0" smtClean="0">
+                <a:solidFill>
+                  <a:schemeClr val="bg1">
+                    <a:lumMod val="65000"/>
+                  </a:schemeClr>
+                </a:solidFill>
+              </a:rPr>
+              <a:t>Placement layer</a:t>
+            </a:r>
+            <a:endParaRPr lang="ko-KR" altLang="en-US" dirty="0">
+              <a:solidFill>
+                <a:schemeClr val="bg1">
+                  <a:lumMod val="65000"/>
+                </a:schemeClr>
+              </a:solidFill>
+            </a:endParaRPr>
+          </a:p>
+        </p:txBody>
+      </p:sp>
+      <p:sp>
+        <p:nvSpPr>
+          <p:cNvPr id="4" name="모서리가 둥근 직사각형 3"/>
+          <p:cNvSpPr/>
+          <p:nvPr/>
+        </p:nvSpPr>
+        <p:spPr>
+          <a:xfrm>
+            <a:off x="936501" y="4306459"/>
+            <a:ext cx="2187732" cy="2163347"/>
+          </a:xfrm>
+          <a:prstGeom prst="roundRect">
+            <a:avLst>
+              <a:gd name="adj" fmla="val 4648"/>
+            </a:avLst>
+          </a:prstGeom>
+          <a:solidFill>
+            <a:schemeClr val="accent4">
+              <a:lumMod val="20000"/>
+              <a:lumOff val="80000"/>
+            </a:schemeClr>
+          </a:solidFill>
+        </p:spPr>
+        <p:style>
+          <a:lnRef idx="2">
+            <a:schemeClr val="accent1">
+              <a:shade val="50000"/>
+            </a:schemeClr>
+          </a:lnRef>
+          <a:fillRef idx="1">
+            <a:schemeClr val="accent1"/>
+          </a:fillRef>
+          <a:effectRef idx="0">
+            <a:schemeClr val="accent1"/>
+          </a:effectRef>
+          <a:fontRef idx="minor">
+            <a:schemeClr val="lt1"/>
+          </a:fontRef>
+        </p:style>
+        <p:txBody>
+          <a:bodyPr rtlCol="0" anchor="t"/>
+          <a:lstStyle/>
+          <a:p>
+            <a:pPr algn="ctr"/>
+            <a:r>
+              <a:rPr lang="en-US" altLang="ko-KR" dirty="0" smtClean="0">
+                <a:solidFill>
+                  <a:schemeClr val="bg1">
+                    <a:lumMod val="65000"/>
+                  </a:schemeClr>
+                </a:solidFill>
+              </a:rPr>
+              <a:t>Shape layer</a:t>
+            </a:r>
+            <a:endParaRPr lang="ko-KR" altLang="en-US" dirty="0">
+              <a:solidFill>
+                <a:schemeClr val="bg1">
+                  <a:lumMod val="65000"/>
+                </a:schemeClr>
+              </a:solidFill>
+            </a:endParaRPr>
+          </a:p>
+        </p:txBody>
+      </p:sp>
+      <p:sp>
+        <p:nvSpPr>
+          <p:cNvPr id="5" name="TextBox 4"/>
+          <p:cNvSpPr txBox="1"/>
+          <p:nvPr/>
+        </p:nvSpPr>
+        <p:spPr>
+          <a:xfrm>
+            <a:off x="749643" y="461319"/>
+            <a:ext cx="3097643" cy="369332"/>
+          </a:xfrm>
+          <a:prstGeom prst="rect">
+            <a:avLst/>
+          </a:prstGeom>
+          <a:noFill/>
+        </p:spPr>
+        <p:txBody>
+          <a:bodyPr wrap="none" rtlCol="0">
+            <a:spAutoFit/>
+          </a:bodyPr>
+          <a:lstStyle/>
+          <a:p>
+            <a:r>
+              <a:rPr lang="en-US" altLang="ko-KR" dirty="0" smtClean="0"/>
+              <a:t>Attribute Layer System </a:t>
+            </a:r>
+            <a:r>
+              <a:rPr lang="ko-KR" altLang="en-US" dirty="0" smtClean="0"/>
+              <a:t>초안</a:t>
+            </a:r>
+            <a:endParaRPr lang="ko-KR" altLang="en-US" dirty="0"/>
+          </a:p>
+        </p:txBody>
+      </p:sp>
+      <p:sp>
+        <p:nvSpPr>
+          <p:cNvPr id="7" name="직사각형 6"/>
+          <p:cNvSpPr/>
+          <p:nvPr/>
+        </p:nvSpPr>
+        <p:spPr>
+          <a:xfrm>
+            <a:off x="553900" y="1367408"/>
+            <a:ext cx="2682209" cy="369332"/>
+          </a:xfrm>
+          <a:prstGeom prst="rect">
+            <a:avLst/>
+          </a:prstGeom>
+        </p:spPr>
+        <p:txBody>
+          <a:bodyPr wrap="none">
+            <a:spAutoFit/>
+          </a:bodyPr>
+          <a:lstStyle/>
+          <a:p>
+            <a:r>
+              <a:rPr lang="en-US" altLang="ko-KR" dirty="0" smtClean="0"/>
+              <a:t>&lt;At the Element Level&gt;</a:t>
+            </a:r>
+            <a:endParaRPr lang="ko-KR" altLang="en-US" dirty="0"/>
+          </a:p>
+        </p:txBody>
+      </p:sp>
+      <p:sp>
+        <p:nvSpPr>
+          <p:cNvPr id="9" name="모서리가 둥근 직사각형 8"/>
+          <p:cNvSpPr/>
+          <p:nvPr/>
+        </p:nvSpPr>
+        <p:spPr>
+          <a:xfrm>
+            <a:off x="1342433" y="4999633"/>
+            <a:ext cx="1391168" cy="1301850"/>
+          </a:xfrm>
+          <a:prstGeom prst="roundRect">
+            <a:avLst>
+              <a:gd name="adj" fmla="val 4648"/>
+            </a:avLst>
+          </a:prstGeom>
+          <a:solidFill>
+            <a:schemeClr val="accent2">
+              <a:lumMod val="20000"/>
+              <a:lumOff val="80000"/>
+            </a:schemeClr>
+          </a:solidFill>
+        </p:spPr>
+        <p:style>
+          <a:lnRef idx="2">
+            <a:schemeClr val="accent1">
+              <a:shade val="50000"/>
+            </a:schemeClr>
+          </a:lnRef>
+          <a:fillRef idx="1">
+            <a:schemeClr val="accent1"/>
+          </a:fillRef>
+          <a:effectRef idx="0">
+            <a:schemeClr val="accent1"/>
+          </a:effectRef>
+          <a:fontRef idx="minor">
+            <a:schemeClr val="lt1"/>
+          </a:fontRef>
+        </p:style>
+        <p:txBody>
+          <a:bodyPr rtlCol="0" anchor="ctr"/>
+          <a:lstStyle/>
+          <a:p>
+            <a:pPr algn="ctr"/>
+            <a:r>
+              <a:rPr lang="en-US" altLang="ko-KR" dirty="0" smtClean="0">
+                <a:solidFill>
+                  <a:schemeClr val="bg1">
+                    <a:lumMod val="65000"/>
+                  </a:schemeClr>
+                </a:solidFill>
+              </a:rPr>
+              <a:t>Affiliation layer</a:t>
+            </a:r>
+            <a:endParaRPr lang="ko-KR" altLang="en-US" dirty="0">
+              <a:solidFill>
+                <a:schemeClr val="bg1">
+                  <a:lumMod val="65000"/>
+                </a:schemeClr>
+              </a:solidFill>
+            </a:endParaRPr>
+          </a:p>
+        </p:txBody>
+      </p:sp>
+      <p:cxnSp>
+        <p:nvCxnSpPr>
+          <p:cNvPr id="12" name="직선 연결선 11"/>
+          <p:cNvCxnSpPr/>
+          <p:nvPr/>
+        </p:nvCxnSpPr>
+        <p:spPr>
+          <a:xfrm>
+            <a:off x="144379" y="4306459"/>
+            <a:ext cx="5265019" cy="0"/>
+          </a:xfrm>
+          <a:prstGeom prst="line">
+            <a:avLst/>
+          </a:prstGeom>
+          <a:ln w="34925">
+            <a:solidFill>
+              <a:schemeClr val="accent1"/>
+            </a:solidFill>
+            <a:prstDash val="dash"/>
+          </a:ln>
+        </p:spPr>
+        <p:style>
+          <a:lnRef idx="1">
+            <a:schemeClr val="accent1"/>
+          </a:lnRef>
+          <a:fillRef idx="0">
+            <a:schemeClr val="accent1"/>
+          </a:fillRef>
+          <a:effectRef idx="0">
+            <a:schemeClr val="accent1"/>
+          </a:effectRef>
+          <a:fontRef idx="minor">
+            <a:schemeClr val="tx1"/>
+          </a:fontRef>
+        </p:style>
+      </p:cxnSp>
+      <p:sp>
+        <p:nvSpPr>
+          <p:cNvPr id="14" name="TextBox 13"/>
+          <p:cNvSpPr txBox="1"/>
+          <p:nvPr/>
+        </p:nvSpPr>
+        <p:spPr>
+          <a:xfrm>
+            <a:off x="3784093" y="3779075"/>
+            <a:ext cx="1843368" cy="369332"/>
+          </a:xfrm>
+          <a:prstGeom prst="rect">
+            <a:avLst/>
+          </a:prstGeom>
+          <a:noFill/>
+        </p:spPr>
+        <p:txBody>
+          <a:bodyPr wrap="square" rtlCol="0">
+            <a:spAutoFit/>
+          </a:bodyPr>
+          <a:lstStyle/>
+          <a:p>
+            <a:r>
+              <a:rPr lang="en-US" altLang="ko-KR" dirty="0"/>
+              <a:t>Instance layer</a:t>
+            </a:r>
+            <a:endParaRPr lang="ko-KR" altLang="en-US" dirty="0"/>
+          </a:p>
+        </p:txBody>
+      </p:sp>
+      <p:sp>
+        <p:nvSpPr>
+          <p:cNvPr id="15" name="TextBox 14"/>
+          <p:cNvSpPr txBox="1"/>
+          <p:nvPr/>
+        </p:nvSpPr>
+        <p:spPr>
+          <a:xfrm>
+            <a:off x="3784092" y="4372668"/>
+            <a:ext cx="2276505" cy="369332"/>
+          </a:xfrm>
+          <a:prstGeom prst="rect">
+            <a:avLst/>
+          </a:prstGeom>
+          <a:noFill/>
+        </p:spPr>
+        <p:txBody>
+          <a:bodyPr wrap="square" rtlCol="0">
+            <a:spAutoFit/>
+          </a:bodyPr>
+          <a:lstStyle/>
+          <a:p>
+            <a:r>
+              <a:rPr lang="en-US" altLang="ko-KR" dirty="0"/>
+              <a:t>Family layer</a:t>
+            </a:r>
+            <a:endParaRPr lang="ko-KR" altLang="en-US" dirty="0"/>
+          </a:p>
+        </p:txBody>
+      </p:sp>
+    </p:spTree>
+    <p:extLst>
+      <p:ext uri="{BB962C8B-B14F-4D97-AF65-F5344CB8AC3E}">
+        <p14:creationId xmlns:p14="http://schemas.microsoft.com/office/powerpoint/2010/main" val="3476834711"/>
+      </p:ext>
+    </p:extLst>
+  </p:cSld>
+  <p:clrMapOvr>
+    <a:masterClrMapping/>
+  </p:clrMapOvr>
+</p:sld>
+</file>
+
+<file path=ppt/slides/slide3.xml><?xml version="1.0" encoding="utf-8"?>
+<p:sld xmlns:a="http://schemas.openxmlformats.org/drawingml/2006/main" xmlns:r="http://schemas.openxmlformats.org/officeDocument/2006/relationships" xmlns:p="http://schemas.openxmlformats.org/presentationml/2006/main">
+  <p:cSld>
+    <p:spTree>
+      <p:nvGrpSpPr>
+        <p:cNvPr id="1" name=""/>
+        <p:cNvGrpSpPr/>
+        <p:nvPr/>
+      </p:nvGrpSpPr>
+      <p:grpSpPr>
+        <a:xfrm>
+          <a:off x="0" y="0"/>
+          <a:ext cx="0" cy="0"/>
+          <a:chOff x="0" y="0"/>
+          <a:chExt cx="0" cy="0"/>
+        </a:xfrm>
+      </p:grpSpPr>
+      <p:sp>
+        <p:nvSpPr>
+          <p:cNvPr id="8" name="모서리가 둥근 직사각형 7"/>
+          <p:cNvSpPr/>
+          <p:nvPr/>
+        </p:nvSpPr>
+        <p:spPr>
+          <a:xfrm>
+            <a:off x="335755" y="2160251"/>
+            <a:ext cx="3389222" cy="4524017"/>
+          </a:xfrm>
+          <a:prstGeom prst="roundRect">
+            <a:avLst>
+              <a:gd name="adj" fmla="val 4648"/>
+            </a:avLst>
+          </a:prstGeom>
+          <a:solidFill>
+            <a:schemeClr val="accent1">
+              <a:lumMod val="20000"/>
+              <a:lumOff val="80000"/>
+            </a:schemeClr>
+          </a:solidFill>
+        </p:spPr>
+        <p:style>
+          <a:lnRef idx="2">
+            <a:schemeClr val="accent1">
+              <a:shade val="50000"/>
+            </a:schemeClr>
+          </a:lnRef>
+          <a:fillRef idx="1">
+            <a:schemeClr val="accent1"/>
+          </a:fillRef>
+          <a:effectRef idx="0">
+            <a:schemeClr val="accent1"/>
+          </a:effectRef>
+          <a:fontRef idx="minor">
+            <a:schemeClr val="lt1"/>
+          </a:fontRef>
+        </p:style>
+        <p:txBody>
+          <a:bodyPr rtlCol="0" anchor="t"/>
+          <a:lstStyle/>
+          <a:p>
+            <a:pPr algn="ctr"/>
+            <a:r>
+              <a:rPr lang="en-US" altLang="ko-KR" dirty="0" smtClean="0">
+                <a:solidFill>
+                  <a:schemeClr val="bg1">
+                    <a:lumMod val="65000"/>
+                  </a:schemeClr>
+                </a:solidFill>
+              </a:rPr>
+              <a:t>Interacting layer</a:t>
+            </a:r>
+            <a:endParaRPr lang="ko-KR" altLang="en-US" dirty="0">
+              <a:solidFill>
+                <a:schemeClr val="bg1">
+                  <a:lumMod val="65000"/>
+                </a:schemeClr>
+              </a:solidFill>
+            </a:endParaRPr>
+          </a:p>
+        </p:txBody>
+      </p:sp>
+      <p:sp>
+        <p:nvSpPr>
+          <p:cNvPr id="6" name="모서리가 둥근 직사각형 5"/>
+          <p:cNvSpPr/>
+          <p:nvPr/>
+        </p:nvSpPr>
+        <p:spPr>
+          <a:xfrm>
+            <a:off x="606570" y="3177736"/>
+            <a:ext cx="2847592" cy="3459933"/>
+          </a:xfrm>
+          <a:prstGeom prst="roundRect">
+            <a:avLst>
+              <a:gd name="adj" fmla="val 4648"/>
+            </a:avLst>
+          </a:prstGeom>
+          <a:solidFill>
+            <a:schemeClr val="accent6">
+              <a:lumMod val="20000"/>
+              <a:lumOff val="80000"/>
+            </a:schemeClr>
+          </a:solidFill>
+        </p:spPr>
+        <p:style>
+          <a:lnRef idx="2">
+            <a:schemeClr val="accent1">
+              <a:shade val="50000"/>
+            </a:schemeClr>
+          </a:lnRef>
+          <a:fillRef idx="1">
+            <a:schemeClr val="accent1"/>
+          </a:fillRef>
+          <a:effectRef idx="0">
+            <a:schemeClr val="accent1"/>
+          </a:effectRef>
+          <a:fontRef idx="minor">
+            <a:schemeClr val="lt1"/>
+          </a:fontRef>
+        </p:style>
+        <p:txBody>
+          <a:bodyPr rtlCol="0" anchor="t"/>
+          <a:lstStyle/>
+          <a:p>
+            <a:pPr algn="ctr"/>
+            <a:r>
+              <a:rPr lang="en-US" altLang="ko-KR" dirty="0" smtClean="0">
+                <a:solidFill>
+                  <a:schemeClr val="bg1">
+                    <a:lumMod val="65000"/>
+                  </a:schemeClr>
+                </a:solidFill>
+              </a:rPr>
+              <a:t>Placement layer</a:t>
+            </a:r>
+            <a:endParaRPr lang="ko-KR" altLang="en-US" dirty="0">
+              <a:solidFill>
+                <a:schemeClr val="bg1">
+                  <a:lumMod val="65000"/>
+                </a:schemeClr>
+              </a:solidFill>
+            </a:endParaRPr>
+          </a:p>
+        </p:txBody>
+      </p:sp>
+      <p:sp>
+        <p:nvSpPr>
+          <p:cNvPr id="4" name="모서리가 둥근 직사각형 3"/>
+          <p:cNvSpPr/>
+          <p:nvPr/>
+        </p:nvSpPr>
+        <p:spPr>
+          <a:xfrm>
+            <a:off x="936501" y="4306459"/>
+            <a:ext cx="2187732" cy="2163347"/>
+          </a:xfrm>
+          <a:prstGeom prst="roundRect">
+            <a:avLst>
+              <a:gd name="adj" fmla="val 4648"/>
+            </a:avLst>
+          </a:prstGeom>
+          <a:solidFill>
+            <a:schemeClr val="accent4">
+              <a:lumMod val="20000"/>
+              <a:lumOff val="80000"/>
+            </a:schemeClr>
+          </a:solidFill>
+        </p:spPr>
+        <p:style>
+          <a:lnRef idx="2">
+            <a:schemeClr val="accent1">
+              <a:shade val="50000"/>
+            </a:schemeClr>
+          </a:lnRef>
+          <a:fillRef idx="1">
+            <a:schemeClr val="accent1"/>
+          </a:fillRef>
+          <a:effectRef idx="0">
+            <a:schemeClr val="accent1"/>
+          </a:effectRef>
+          <a:fontRef idx="minor">
+            <a:schemeClr val="lt1"/>
+          </a:fontRef>
+        </p:style>
+        <p:txBody>
+          <a:bodyPr rtlCol="0" anchor="t"/>
+          <a:lstStyle/>
+          <a:p>
+            <a:pPr algn="ctr"/>
+            <a:r>
+              <a:rPr lang="en-US" altLang="ko-KR" dirty="0" smtClean="0">
+                <a:solidFill>
+                  <a:schemeClr val="bg1">
+                    <a:lumMod val="65000"/>
+                  </a:schemeClr>
+                </a:solidFill>
+              </a:rPr>
+              <a:t>Shape layer</a:t>
+            </a:r>
+            <a:endParaRPr lang="ko-KR" altLang="en-US" dirty="0">
+              <a:solidFill>
+                <a:schemeClr val="bg1">
+                  <a:lumMod val="65000"/>
+                </a:schemeClr>
+              </a:solidFill>
+            </a:endParaRPr>
+          </a:p>
+        </p:txBody>
+      </p:sp>
+      <p:sp>
+        <p:nvSpPr>
+          <p:cNvPr id="5" name="TextBox 4"/>
+          <p:cNvSpPr txBox="1"/>
+          <p:nvPr/>
+        </p:nvSpPr>
+        <p:spPr>
+          <a:xfrm>
+            <a:off x="749643" y="461319"/>
+            <a:ext cx="3097643" cy="369332"/>
+          </a:xfrm>
+          <a:prstGeom prst="rect">
+            <a:avLst/>
+          </a:prstGeom>
+          <a:noFill/>
+        </p:spPr>
+        <p:txBody>
+          <a:bodyPr wrap="none" rtlCol="0">
+            <a:spAutoFit/>
+          </a:bodyPr>
+          <a:lstStyle/>
+          <a:p>
+            <a:r>
+              <a:rPr lang="en-US" altLang="ko-KR" dirty="0" smtClean="0"/>
+              <a:t>Attribute Layer System </a:t>
+            </a:r>
+            <a:r>
+              <a:rPr lang="ko-KR" altLang="en-US" dirty="0" smtClean="0"/>
+              <a:t>초안</a:t>
+            </a:r>
+            <a:endParaRPr lang="ko-KR" altLang="en-US" dirty="0"/>
+          </a:p>
+        </p:txBody>
+      </p:sp>
+      <p:sp>
+        <p:nvSpPr>
+          <p:cNvPr id="7" name="직사각형 6"/>
+          <p:cNvSpPr/>
+          <p:nvPr/>
+        </p:nvSpPr>
+        <p:spPr>
+          <a:xfrm>
+            <a:off x="553900" y="1367408"/>
+            <a:ext cx="2682209" cy="369332"/>
+          </a:xfrm>
+          <a:prstGeom prst="rect">
+            <a:avLst/>
+          </a:prstGeom>
+        </p:spPr>
+        <p:txBody>
+          <a:bodyPr wrap="none">
+            <a:spAutoFit/>
+          </a:bodyPr>
+          <a:lstStyle/>
+          <a:p>
+            <a:r>
+              <a:rPr lang="en-US" altLang="ko-KR" dirty="0" smtClean="0"/>
+              <a:t>&lt;At the Element Level&gt;</a:t>
+            </a:r>
+            <a:endParaRPr lang="ko-KR" altLang="en-US" dirty="0"/>
+          </a:p>
+        </p:txBody>
+      </p:sp>
+      <p:sp>
+        <p:nvSpPr>
+          <p:cNvPr id="9" name="모서리가 둥근 직사각형 8"/>
+          <p:cNvSpPr/>
+          <p:nvPr/>
+        </p:nvSpPr>
+        <p:spPr>
+          <a:xfrm>
+            <a:off x="1342433" y="4999633"/>
+            <a:ext cx="1391168" cy="1301850"/>
+          </a:xfrm>
+          <a:prstGeom prst="roundRect">
+            <a:avLst>
+              <a:gd name="adj" fmla="val 4648"/>
+            </a:avLst>
+          </a:prstGeom>
+          <a:solidFill>
+            <a:schemeClr val="accent2">
+              <a:lumMod val="20000"/>
+              <a:lumOff val="80000"/>
+            </a:schemeClr>
+          </a:solidFill>
+        </p:spPr>
+        <p:style>
+          <a:lnRef idx="2">
+            <a:schemeClr val="accent1">
+              <a:shade val="50000"/>
+            </a:schemeClr>
+          </a:lnRef>
+          <a:fillRef idx="1">
+            <a:schemeClr val="accent1"/>
+          </a:fillRef>
+          <a:effectRef idx="0">
+            <a:schemeClr val="accent1"/>
+          </a:effectRef>
+          <a:fontRef idx="minor">
+            <a:schemeClr val="lt1"/>
+          </a:fontRef>
+        </p:style>
+        <p:txBody>
+          <a:bodyPr rtlCol="0" anchor="ctr"/>
+          <a:lstStyle/>
+          <a:p>
+            <a:pPr algn="ctr"/>
+            <a:r>
+              <a:rPr lang="en-US" altLang="ko-KR" dirty="0" smtClean="0">
+                <a:solidFill>
+                  <a:srgbClr val="00B050"/>
+                </a:solidFill>
+              </a:rPr>
+              <a:t>Affiliation layer</a:t>
+            </a:r>
+            <a:endParaRPr lang="ko-KR" altLang="en-US" dirty="0">
+              <a:solidFill>
+                <a:srgbClr val="00B050"/>
+              </a:solidFill>
+            </a:endParaRPr>
+          </a:p>
+        </p:txBody>
+      </p:sp>
+      <p:cxnSp>
+        <p:nvCxnSpPr>
+          <p:cNvPr id="12" name="직선 연결선 11"/>
+          <p:cNvCxnSpPr/>
+          <p:nvPr/>
+        </p:nvCxnSpPr>
+        <p:spPr>
+          <a:xfrm>
+            <a:off x="144379" y="4306459"/>
+            <a:ext cx="5265019" cy="0"/>
+          </a:xfrm>
+          <a:prstGeom prst="line">
+            <a:avLst/>
+          </a:prstGeom>
+          <a:ln w="34925">
+            <a:solidFill>
+              <a:schemeClr val="accent1"/>
+            </a:solidFill>
+            <a:prstDash val="dash"/>
+          </a:ln>
+        </p:spPr>
+        <p:style>
+          <a:lnRef idx="1">
+            <a:schemeClr val="accent1"/>
+          </a:lnRef>
+          <a:fillRef idx="0">
+            <a:schemeClr val="accent1"/>
+          </a:fillRef>
+          <a:effectRef idx="0">
+            <a:schemeClr val="accent1"/>
+          </a:effectRef>
+          <a:fontRef idx="minor">
+            <a:schemeClr val="tx1"/>
+          </a:fontRef>
+        </p:style>
+      </p:cxnSp>
+      <p:sp>
+        <p:nvSpPr>
+          <p:cNvPr id="14" name="TextBox 13"/>
+          <p:cNvSpPr txBox="1"/>
+          <p:nvPr/>
+        </p:nvSpPr>
+        <p:spPr>
+          <a:xfrm>
+            <a:off x="3784093" y="3779075"/>
+            <a:ext cx="1843368" cy="369332"/>
+          </a:xfrm>
+          <a:prstGeom prst="rect">
+            <a:avLst/>
+          </a:prstGeom>
+          <a:noFill/>
+        </p:spPr>
+        <p:txBody>
+          <a:bodyPr wrap="square" rtlCol="0">
+            <a:spAutoFit/>
+          </a:bodyPr>
+          <a:lstStyle/>
+          <a:p>
+            <a:r>
+              <a:rPr lang="en-US" altLang="ko-KR" dirty="0"/>
+              <a:t>Instance layer</a:t>
+            </a:r>
+            <a:endParaRPr lang="ko-KR" altLang="en-US" dirty="0"/>
+          </a:p>
+        </p:txBody>
+      </p:sp>
+      <p:sp>
+        <p:nvSpPr>
+          <p:cNvPr id="15" name="TextBox 14"/>
+          <p:cNvSpPr txBox="1"/>
+          <p:nvPr/>
+        </p:nvSpPr>
+        <p:spPr>
+          <a:xfrm>
+            <a:off x="3784092" y="4372668"/>
+            <a:ext cx="2276505" cy="369332"/>
+          </a:xfrm>
+          <a:prstGeom prst="rect">
+            <a:avLst/>
+          </a:prstGeom>
+          <a:noFill/>
+        </p:spPr>
+        <p:txBody>
+          <a:bodyPr wrap="square" rtlCol="0">
+            <a:spAutoFit/>
+          </a:bodyPr>
+          <a:lstStyle/>
+          <a:p>
+            <a:r>
+              <a:rPr lang="en-US" altLang="ko-KR" dirty="0"/>
+              <a:t>Family layer</a:t>
+            </a:r>
+            <a:endParaRPr lang="ko-KR" altLang="en-US" dirty="0"/>
+          </a:p>
+        </p:txBody>
+      </p:sp>
+    </p:spTree>
+    <p:extLst>
+      <p:ext uri="{BB962C8B-B14F-4D97-AF65-F5344CB8AC3E}">
+        <p14:creationId xmlns:p14="http://schemas.microsoft.com/office/powerpoint/2010/main" val="2481647198"/>
+      </p:ext>
+    </p:extLst>
+  </p:cSld>
+  <p:clrMapOvr>
+    <a:masterClrMapping/>
+  </p:clrMapOvr>
+</p:sld>
+</file>
+
+<file path=ppt/slides/slide4.xml><?xml version="1.0" encoding="utf-8"?>
+<p:sld xmlns:a="http://schemas.openxmlformats.org/drawingml/2006/main" xmlns:r="http://schemas.openxmlformats.org/officeDocument/2006/relationships" xmlns:p="http://schemas.openxmlformats.org/presentationml/2006/main">
+  <p:cSld>
+    <p:spTree>
+      <p:nvGrpSpPr>
+        <p:cNvPr id="1" name=""/>
+        <p:cNvGrpSpPr/>
+        <p:nvPr/>
+      </p:nvGrpSpPr>
+      <p:grpSpPr>
+        <a:xfrm>
+          <a:off x="0" y="0"/>
+          <a:ext cx="0" cy="0"/>
+          <a:chOff x="0" y="0"/>
+          <a:chExt cx="0" cy="0"/>
+        </a:xfrm>
+      </p:grpSpPr>
+      <p:sp>
+        <p:nvSpPr>
+          <p:cNvPr id="8" name="모서리가 둥근 직사각형 7"/>
+          <p:cNvSpPr/>
+          <p:nvPr/>
+        </p:nvSpPr>
+        <p:spPr>
+          <a:xfrm>
+            <a:off x="335755" y="2160251"/>
+            <a:ext cx="3389222" cy="4524017"/>
+          </a:xfrm>
+          <a:prstGeom prst="roundRect">
+            <a:avLst>
+              <a:gd name="adj" fmla="val 4648"/>
+            </a:avLst>
+          </a:prstGeom>
+          <a:solidFill>
+            <a:schemeClr val="accent1">
+              <a:lumMod val="20000"/>
+              <a:lumOff val="80000"/>
+            </a:schemeClr>
+          </a:solidFill>
+        </p:spPr>
+        <p:style>
+          <a:lnRef idx="2">
+            <a:schemeClr val="accent1">
+              <a:shade val="50000"/>
+            </a:schemeClr>
+          </a:lnRef>
+          <a:fillRef idx="1">
+            <a:schemeClr val="accent1"/>
+          </a:fillRef>
+          <a:effectRef idx="0">
+            <a:schemeClr val="accent1"/>
+          </a:effectRef>
+          <a:fontRef idx="minor">
+            <a:schemeClr val="lt1"/>
+          </a:fontRef>
+        </p:style>
+        <p:txBody>
+          <a:bodyPr rtlCol="0" anchor="t"/>
+          <a:lstStyle/>
+          <a:p>
+            <a:pPr algn="ctr"/>
+            <a:r>
+              <a:rPr lang="en-US" altLang="ko-KR" dirty="0" smtClean="0">
+                <a:solidFill>
+                  <a:schemeClr val="bg1">
+                    <a:lumMod val="65000"/>
+                  </a:schemeClr>
+                </a:solidFill>
+              </a:rPr>
+              <a:t>Interacting layer</a:t>
+            </a:r>
+            <a:endParaRPr lang="ko-KR" altLang="en-US" dirty="0">
+              <a:solidFill>
+                <a:schemeClr val="bg1">
+                  <a:lumMod val="65000"/>
+                </a:schemeClr>
+              </a:solidFill>
+            </a:endParaRPr>
+          </a:p>
+        </p:txBody>
+      </p:sp>
+      <p:sp>
+        <p:nvSpPr>
+          <p:cNvPr id="6" name="모서리가 둥근 직사각형 5"/>
+          <p:cNvSpPr/>
+          <p:nvPr/>
+        </p:nvSpPr>
+        <p:spPr>
+          <a:xfrm>
+            <a:off x="606570" y="3177736"/>
+            <a:ext cx="2847592" cy="3459933"/>
+          </a:xfrm>
+          <a:prstGeom prst="roundRect">
+            <a:avLst>
+              <a:gd name="adj" fmla="val 4648"/>
+            </a:avLst>
+          </a:prstGeom>
+          <a:solidFill>
+            <a:schemeClr val="accent6">
+              <a:lumMod val="20000"/>
+              <a:lumOff val="80000"/>
+            </a:schemeClr>
+          </a:solidFill>
+        </p:spPr>
+        <p:style>
+          <a:lnRef idx="2">
+            <a:schemeClr val="accent1">
+              <a:shade val="50000"/>
+            </a:schemeClr>
+          </a:lnRef>
+          <a:fillRef idx="1">
+            <a:schemeClr val="accent1"/>
+          </a:fillRef>
+          <a:effectRef idx="0">
+            <a:schemeClr val="accent1"/>
+          </a:effectRef>
+          <a:fontRef idx="minor">
+            <a:schemeClr val="lt1"/>
+          </a:fontRef>
+        </p:style>
+        <p:txBody>
+          <a:bodyPr rtlCol="0" anchor="t"/>
+          <a:lstStyle/>
+          <a:p>
+            <a:pPr algn="ctr"/>
+            <a:r>
+              <a:rPr lang="en-US" altLang="ko-KR" dirty="0" smtClean="0">
+                <a:solidFill>
+                  <a:schemeClr val="bg1">
+                    <a:lumMod val="65000"/>
+                  </a:schemeClr>
+                </a:solidFill>
+              </a:rPr>
+              <a:t>Placement layer</a:t>
+            </a:r>
+            <a:endParaRPr lang="ko-KR" altLang="en-US" dirty="0">
+              <a:solidFill>
+                <a:schemeClr val="bg1">
+                  <a:lumMod val="65000"/>
+                </a:schemeClr>
+              </a:solidFill>
+            </a:endParaRPr>
+          </a:p>
+        </p:txBody>
+      </p:sp>
+      <p:sp>
+        <p:nvSpPr>
+          <p:cNvPr id="4" name="모서리가 둥근 직사각형 3"/>
+          <p:cNvSpPr/>
+          <p:nvPr/>
+        </p:nvSpPr>
+        <p:spPr>
+          <a:xfrm>
+            <a:off x="936501" y="4306459"/>
+            <a:ext cx="2187732" cy="2163347"/>
+          </a:xfrm>
+          <a:prstGeom prst="roundRect">
+            <a:avLst>
+              <a:gd name="adj" fmla="val 4648"/>
+            </a:avLst>
+          </a:prstGeom>
+          <a:solidFill>
+            <a:schemeClr val="accent4">
+              <a:lumMod val="20000"/>
+              <a:lumOff val="80000"/>
+            </a:schemeClr>
+          </a:solidFill>
+        </p:spPr>
+        <p:style>
+          <a:lnRef idx="2">
+            <a:schemeClr val="accent1">
+              <a:shade val="50000"/>
+            </a:schemeClr>
+          </a:lnRef>
+          <a:fillRef idx="1">
+            <a:schemeClr val="accent1"/>
+          </a:fillRef>
+          <a:effectRef idx="0">
+            <a:schemeClr val="accent1"/>
+          </a:effectRef>
+          <a:fontRef idx="minor">
+            <a:schemeClr val="lt1"/>
+          </a:fontRef>
+        </p:style>
+        <p:txBody>
+          <a:bodyPr rtlCol="0" anchor="t"/>
+          <a:lstStyle/>
+          <a:p>
+            <a:pPr algn="ctr"/>
+            <a:r>
+              <a:rPr lang="en-US" altLang="ko-KR" dirty="0" smtClean="0">
+                <a:solidFill>
+                  <a:schemeClr val="bg1">
+                    <a:lumMod val="65000"/>
+                  </a:schemeClr>
+                </a:solidFill>
+              </a:rPr>
+              <a:t>Shape layer</a:t>
+            </a:r>
+            <a:endParaRPr lang="ko-KR" altLang="en-US" dirty="0">
+              <a:solidFill>
+                <a:schemeClr val="bg1">
+                  <a:lumMod val="65000"/>
+                </a:schemeClr>
+              </a:solidFill>
+            </a:endParaRPr>
+          </a:p>
+        </p:txBody>
+      </p:sp>
+      <p:sp>
+        <p:nvSpPr>
+          <p:cNvPr id="5" name="TextBox 4"/>
+          <p:cNvSpPr txBox="1"/>
+          <p:nvPr/>
+        </p:nvSpPr>
+        <p:spPr>
+          <a:xfrm>
+            <a:off x="749643" y="461319"/>
+            <a:ext cx="3097643" cy="369332"/>
+          </a:xfrm>
+          <a:prstGeom prst="rect">
+            <a:avLst/>
+          </a:prstGeom>
+          <a:noFill/>
+        </p:spPr>
+        <p:txBody>
+          <a:bodyPr wrap="none" rtlCol="0">
+            <a:spAutoFit/>
+          </a:bodyPr>
+          <a:lstStyle/>
+          <a:p>
+            <a:r>
+              <a:rPr lang="en-US" altLang="ko-KR" dirty="0" smtClean="0"/>
+              <a:t>Attribute Layer System </a:t>
+            </a:r>
+            <a:r>
+              <a:rPr lang="ko-KR" altLang="en-US" dirty="0" smtClean="0"/>
+              <a:t>초안</a:t>
+            </a:r>
+            <a:endParaRPr lang="ko-KR" altLang="en-US" dirty="0"/>
+          </a:p>
+        </p:txBody>
+      </p:sp>
+      <p:sp>
+        <p:nvSpPr>
+          <p:cNvPr id="7" name="직사각형 6"/>
+          <p:cNvSpPr/>
+          <p:nvPr/>
+        </p:nvSpPr>
+        <p:spPr>
+          <a:xfrm>
+            <a:off x="553900" y="1367408"/>
+            <a:ext cx="2682209" cy="369332"/>
+          </a:xfrm>
+          <a:prstGeom prst="rect">
+            <a:avLst/>
+          </a:prstGeom>
+        </p:spPr>
+        <p:txBody>
+          <a:bodyPr wrap="none">
+            <a:spAutoFit/>
+          </a:bodyPr>
+          <a:lstStyle/>
+          <a:p>
+            <a:r>
+              <a:rPr lang="en-US" altLang="ko-KR" dirty="0" smtClean="0"/>
+              <a:t>&lt;At the Element Level&gt;</a:t>
+            </a:r>
+            <a:endParaRPr lang="ko-KR" altLang="en-US" dirty="0"/>
+          </a:p>
+        </p:txBody>
+      </p:sp>
+      <p:sp>
+        <p:nvSpPr>
+          <p:cNvPr id="9" name="모서리가 둥근 직사각형 8"/>
+          <p:cNvSpPr/>
+          <p:nvPr/>
+        </p:nvSpPr>
+        <p:spPr>
+          <a:xfrm>
+            <a:off x="1342433" y="4999633"/>
+            <a:ext cx="1391168" cy="1301850"/>
+          </a:xfrm>
+          <a:prstGeom prst="roundRect">
+            <a:avLst>
+              <a:gd name="adj" fmla="val 4648"/>
+            </a:avLst>
+          </a:prstGeom>
+          <a:solidFill>
+            <a:schemeClr val="accent2">
+              <a:lumMod val="20000"/>
+              <a:lumOff val="80000"/>
+            </a:schemeClr>
+          </a:solidFill>
+        </p:spPr>
+        <p:style>
+          <a:lnRef idx="2">
+            <a:schemeClr val="accent1">
+              <a:shade val="50000"/>
+            </a:schemeClr>
+          </a:lnRef>
+          <a:fillRef idx="1">
+            <a:schemeClr val="accent1"/>
+          </a:fillRef>
+          <a:effectRef idx="0">
+            <a:schemeClr val="accent1"/>
+          </a:effectRef>
+          <a:fontRef idx="minor">
+            <a:schemeClr val="lt1"/>
+          </a:fontRef>
+        </p:style>
+        <p:txBody>
+          <a:bodyPr rtlCol="0" anchor="ctr"/>
+          <a:lstStyle/>
+          <a:p>
+            <a:pPr algn="ctr"/>
+            <a:r>
+              <a:rPr lang="en-US" altLang="ko-KR" dirty="0" smtClean="0">
+                <a:solidFill>
+                  <a:schemeClr val="bg1">
+                    <a:lumMod val="65000"/>
+                  </a:schemeClr>
+                </a:solidFill>
+              </a:rPr>
+              <a:t>Affiliation layer</a:t>
+            </a:r>
+            <a:endParaRPr lang="ko-KR" altLang="en-US" dirty="0">
+              <a:solidFill>
+                <a:schemeClr val="bg1">
+                  <a:lumMod val="65000"/>
+                </a:schemeClr>
+              </a:solidFill>
+            </a:endParaRPr>
+          </a:p>
+        </p:txBody>
+      </p:sp>
+      <p:cxnSp>
+        <p:nvCxnSpPr>
+          <p:cNvPr id="12" name="직선 연결선 11"/>
+          <p:cNvCxnSpPr/>
+          <p:nvPr/>
+        </p:nvCxnSpPr>
+        <p:spPr>
+          <a:xfrm>
+            <a:off x="144379" y="4306459"/>
+            <a:ext cx="5265019" cy="0"/>
+          </a:xfrm>
+          <a:prstGeom prst="line">
+            <a:avLst/>
+          </a:prstGeom>
+          <a:ln w="34925">
+            <a:solidFill>
+              <a:schemeClr val="accent1"/>
+            </a:solidFill>
+            <a:prstDash val="dash"/>
+          </a:ln>
+        </p:spPr>
+        <p:style>
+          <a:lnRef idx="1">
+            <a:schemeClr val="accent1"/>
+          </a:lnRef>
+          <a:fillRef idx="0">
+            <a:schemeClr val="accent1"/>
+          </a:fillRef>
+          <a:effectRef idx="0">
+            <a:schemeClr val="accent1"/>
+          </a:effectRef>
+          <a:fontRef idx="minor">
+            <a:schemeClr val="tx1"/>
+          </a:fontRef>
+        </p:style>
+      </p:cxnSp>
+      <p:sp>
+        <p:nvSpPr>
+          <p:cNvPr id="14" name="TextBox 13"/>
+          <p:cNvSpPr txBox="1"/>
+          <p:nvPr/>
+        </p:nvSpPr>
+        <p:spPr>
+          <a:xfrm>
+            <a:off x="3784093" y="3779075"/>
+            <a:ext cx="1843368" cy="369332"/>
+          </a:xfrm>
+          <a:prstGeom prst="rect">
+            <a:avLst/>
+          </a:prstGeom>
+          <a:noFill/>
+        </p:spPr>
+        <p:txBody>
+          <a:bodyPr wrap="square" rtlCol="0">
+            <a:spAutoFit/>
+          </a:bodyPr>
+          <a:lstStyle/>
+          <a:p>
+            <a:r>
+              <a:rPr lang="en-US" altLang="ko-KR" dirty="0"/>
+              <a:t>Instance layer</a:t>
+            </a:r>
+            <a:endParaRPr lang="ko-KR" altLang="en-US" dirty="0"/>
+          </a:p>
+        </p:txBody>
+      </p:sp>
+      <p:sp>
+        <p:nvSpPr>
+          <p:cNvPr id="15" name="TextBox 14"/>
+          <p:cNvSpPr txBox="1"/>
+          <p:nvPr/>
+        </p:nvSpPr>
+        <p:spPr>
+          <a:xfrm>
+            <a:off x="3784092" y="4372668"/>
+            <a:ext cx="2276505" cy="369332"/>
+          </a:xfrm>
+          <a:prstGeom prst="rect">
+            <a:avLst/>
+          </a:prstGeom>
+          <a:noFill/>
+        </p:spPr>
+        <p:txBody>
+          <a:bodyPr wrap="square" rtlCol="0">
+            <a:spAutoFit/>
+          </a:bodyPr>
+          <a:lstStyle/>
+          <a:p>
+            <a:r>
+              <a:rPr lang="en-US" altLang="ko-KR" dirty="0"/>
+              <a:t>Family layer</a:t>
+            </a:r>
+            <a:endParaRPr lang="ko-KR" altLang="en-US" dirty="0"/>
+          </a:p>
+        </p:txBody>
+      </p:sp>
+    </p:spTree>
+    <p:extLst>
+      <p:ext uri="{BB962C8B-B14F-4D97-AF65-F5344CB8AC3E}">
+        <p14:creationId xmlns:p14="http://schemas.microsoft.com/office/powerpoint/2010/main" val="3241560395"/>
+      </p:ext>
+    </p:extLst>
+  </p:cSld>
+  <p:clrMapOvr>
+    <a:masterClrMapping/>
+  </p:clrMapOvr>
+</p:sld>
+</file>
+
+<file path=ppt/slides/slide5.xml><?xml version="1.0" encoding="utf-8"?>
+<p:sld xmlns:a="http://schemas.openxmlformats.org/drawingml/2006/main" xmlns:r="http://schemas.openxmlformats.org/officeDocument/2006/relationships" xmlns:p="http://schemas.openxmlformats.org/presentationml/2006/main">
+  <p:cSld>
+    <p:spTree>
+      <p:nvGrpSpPr>
+        <p:cNvPr id="1" name=""/>
+        <p:cNvGrpSpPr/>
+        <p:nvPr/>
+      </p:nvGrpSpPr>
+      <p:grpSpPr>
+        <a:xfrm>
+          <a:off x="0" y="0"/>
+          <a:ext cx="0" cy="0"/>
+          <a:chOff x="0" y="0"/>
+          <a:chExt cx="0" cy="0"/>
+        </a:xfrm>
+      </p:grpSpPr>
+      <p:sp>
+        <p:nvSpPr>
+          <p:cNvPr id="8" name="모서리가 둥근 직사각형 7"/>
+          <p:cNvSpPr/>
+          <p:nvPr/>
+        </p:nvSpPr>
+        <p:spPr>
+          <a:xfrm>
+            <a:off x="335755" y="2160251"/>
+            <a:ext cx="3389222" cy="4524017"/>
+          </a:xfrm>
+          <a:prstGeom prst="roundRect">
+            <a:avLst>
+              <a:gd name="adj" fmla="val 4648"/>
+            </a:avLst>
+          </a:prstGeom>
+          <a:solidFill>
+            <a:schemeClr val="accent1">
+              <a:lumMod val="20000"/>
+              <a:lumOff val="80000"/>
+            </a:schemeClr>
+          </a:solidFill>
+        </p:spPr>
+        <p:style>
+          <a:lnRef idx="2">
+            <a:schemeClr val="accent1">
+              <a:shade val="50000"/>
+            </a:schemeClr>
+          </a:lnRef>
+          <a:fillRef idx="1">
+            <a:schemeClr val="accent1"/>
+          </a:fillRef>
+          <a:effectRef idx="0">
+            <a:schemeClr val="accent1"/>
+          </a:effectRef>
+          <a:fontRef idx="minor">
+            <a:schemeClr val="lt1"/>
+          </a:fontRef>
+        </p:style>
+        <p:txBody>
+          <a:bodyPr rtlCol="0" anchor="t"/>
+          <a:lstStyle/>
+          <a:p>
+            <a:pPr algn="ctr"/>
+            <a:r>
+              <a:rPr lang="en-US" altLang="ko-KR" dirty="0" smtClean="0">
+                <a:solidFill>
+                  <a:schemeClr val="bg1">
+                    <a:lumMod val="65000"/>
+                  </a:schemeClr>
+                </a:solidFill>
+              </a:rPr>
+              <a:t>Interacting layer</a:t>
+            </a:r>
+            <a:endParaRPr lang="ko-KR" altLang="en-US" dirty="0">
+              <a:solidFill>
+                <a:schemeClr val="bg1">
+                  <a:lumMod val="65000"/>
+                </a:schemeClr>
+              </a:solidFill>
+            </a:endParaRPr>
+          </a:p>
+        </p:txBody>
+      </p:sp>
+      <p:sp>
+        <p:nvSpPr>
+          <p:cNvPr id="6" name="모서리가 둥근 직사각형 5"/>
+          <p:cNvSpPr/>
+          <p:nvPr/>
+        </p:nvSpPr>
+        <p:spPr>
+          <a:xfrm>
+            <a:off x="606570" y="3177736"/>
+            <a:ext cx="2847592" cy="3459933"/>
+          </a:xfrm>
+          <a:prstGeom prst="roundRect">
+            <a:avLst>
+              <a:gd name="adj" fmla="val 4648"/>
+            </a:avLst>
+          </a:prstGeom>
+          <a:solidFill>
+            <a:schemeClr val="accent6">
+              <a:lumMod val="20000"/>
+              <a:lumOff val="80000"/>
+            </a:schemeClr>
+          </a:solidFill>
+        </p:spPr>
+        <p:style>
+          <a:lnRef idx="2">
+            <a:schemeClr val="accent1">
+              <a:shade val="50000"/>
+            </a:schemeClr>
+          </a:lnRef>
+          <a:fillRef idx="1">
+            <a:schemeClr val="accent1"/>
+          </a:fillRef>
+          <a:effectRef idx="0">
+            <a:schemeClr val="accent1"/>
+          </a:effectRef>
+          <a:fontRef idx="minor">
+            <a:schemeClr val="lt1"/>
+          </a:fontRef>
+        </p:style>
+        <p:txBody>
+          <a:bodyPr rtlCol="0" anchor="t"/>
+          <a:lstStyle/>
+          <a:p>
+            <a:pPr algn="ctr"/>
+            <a:r>
+              <a:rPr lang="en-US" altLang="ko-KR" dirty="0" smtClean="0">
+                <a:solidFill>
+                  <a:schemeClr val="bg1">
+                    <a:lumMod val="65000"/>
+                  </a:schemeClr>
+                </a:solidFill>
+              </a:rPr>
+              <a:t>Placement layer</a:t>
+            </a:r>
+            <a:endParaRPr lang="ko-KR" altLang="en-US" dirty="0">
+              <a:solidFill>
+                <a:schemeClr val="bg1">
+                  <a:lumMod val="65000"/>
+                </a:schemeClr>
+              </a:solidFill>
+            </a:endParaRPr>
+          </a:p>
+        </p:txBody>
+      </p:sp>
+      <p:sp>
+        <p:nvSpPr>
+          <p:cNvPr id="4" name="모서리가 둥근 직사각형 3"/>
+          <p:cNvSpPr/>
+          <p:nvPr/>
+        </p:nvSpPr>
+        <p:spPr>
+          <a:xfrm>
+            <a:off x="936501" y="4306459"/>
+            <a:ext cx="2187732" cy="2163347"/>
+          </a:xfrm>
+          <a:prstGeom prst="roundRect">
+            <a:avLst>
+              <a:gd name="adj" fmla="val 4648"/>
+            </a:avLst>
+          </a:prstGeom>
+          <a:solidFill>
+            <a:schemeClr val="accent4">
+              <a:lumMod val="20000"/>
+              <a:lumOff val="80000"/>
+            </a:schemeClr>
+          </a:solidFill>
+        </p:spPr>
+        <p:style>
+          <a:lnRef idx="2">
+            <a:schemeClr val="accent1">
+              <a:shade val="50000"/>
+            </a:schemeClr>
+          </a:lnRef>
+          <a:fillRef idx="1">
+            <a:schemeClr val="accent1"/>
+          </a:fillRef>
+          <a:effectRef idx="0">
+            <a:schemeClr val="accent1"/>
+          </a:effectRef>
+          <a:fontRef idx="minor">
+            <a:schemeClr val="lt1"/>
+          </a:fontRef>
+        </p:style>
+        <p:txBody>
+          <a:bodyPr rtlCol="0" anchor="t"/>
+          <a:lstStyle/>
+          <a:p>
+            <a:pPr algn="ctr"/>
+            <a:r>
+              <a:rPr lang="en-US" altLang="ko-KR" dirty="0" smtClean="0">
+                <a:solidFill>
+                  <a:schemeClr val="bg1">
+                    <a:lumMod val="65000"/>
+                  </a:schemeClr>
+                </a:solidFill>
+              </a:rPr>
+              <a:t>Shape layer</a:t>
+            </a:r>
+            <a:endParaRPr lang="ko-KR" altLang="en-US" dirty="0">
+              <a:solidFill>
+                <a:schemeClr val="bg1">
+                  <a:lumMod val="65000"/>
+                </a:schemeClr>
+              </a:solidFill>
+            </a:endParaRPr>
+          </a:p>
+        </p:txBody>
+      </p:sp>
+      <p:sp>
+        <p:nvSpPr>
+          <p:cNvPr id="5" name="TextBox 4"/>
+          <p:cNvSpPr txBox="1"/>
+          <p:nvPr/>
+        </p:nvSpPr>
+        <p:spPr>
+          <a:xfrm>
+            <a:off x="749643" y="461319"/>
+            <a:ext cx="3097643" cy="369332"/>
+          </a:xfrm>
+          <a:prstGeom prst="rect">
+            <a:avLst/>
+          </a:prstGeom>
+          <a:noFill/>
+        </p:spPr>
+        <p:txBody>
+          <a:bodyPr wrap="none" rtlCol="0">
+            <a:spAutoFit/>
+          </a:bodyPr>
+          <a:lstStyle/>
+          <a:p>
+            <a:r>
+              <a:rPr lang="en-US" altLang="ko-KR" dirty="0" smtClean="0"/>
+              <a:t>Attribute Layer System </a:t>
+            </a:r>
+            <a:r>
+              <a:rPr lang="ko-KR" altLang="en-US" dirty="0" smtClean="0"/>
+              <a:t>초안</a:t>
+            </a:r>
+            <a:endParaRPr lang="ko-KR" altLang="en-US" dirty="0"/>
+          </a:p>
+        </p:txBody>
+      </p:sp>
+      <p:sp>
+        <p:nvSpPr>
+          <p:cNvPr id="7" name="직사각형 6"/>
+          <p:cNvSpPr/>
+          <p:nvPr/>
+        </p:nvSpPr>
+        <p:spPr>
+          <a:xfrm>
+            <a:off x="553900" y="1367408"/>
+            <a:ext cx="2682209" cy="369332"/>
+          </a:xfrm>
+          <a:prstGeom prst="rect">
+            <a:avLst/>
+          </a:prstGeom>
+        </p:spPr>
+        <p:txBody>
+          <a:bodyPr wrap="none">
+            <a:spAutoFit/>
+          </a:bodyPr>
+          <a:lstStyle/>
+          <a:p>
+            <a:r>
+              <a:rPr lang="en-US" altLang="ko-KR" dirty="0" smtClean="0"/>
+              <a:t>&lt;At the Element Level&gt;</a:t>
+            </a:r>
+            <a:endParaRPr lang="ko-KR" altLang="en-US" dirty="0"/>
+          </a:p>
+        </p:txBody>
+      </p:sp>
+      <p:sp>
+        <p:nvSpPr>
+          <p:cNvPr id="9" name="모서리가 둥근 직사각형 8"/>
+          <p:cNvSpPr/>
+          <p:nvPr/>
+        </p:nvSpPr>
+        <p:spPr>
+          <a:xfrm>
+            <a:off x="1342433" y="4999633"/>
+            <a:ext cx="1391168" cy="1301850"/>
+          </a:xfrm>
+          <a:prstGeom prst="roundRect">
+            <a:avLst>
+              <a:gd name="adj" fmla="val 4648"/>
+            </a:avLst>
+          </a:prstGeom>
+          <a:solidFill>
+            <a:schemeClr val="accent2">
+              <a:lumMod val="20000"/>
+              <a:lumOff val="80000"/>
+            </a:schemeClr>
+          </a:solidFill>
+        </p:spPr>
+        <p:style>
+          <a:lnRef idx="2">
+            <a:schemeClr val="accent1">
+              <a:shade val="50000"/>
+            </a:schemeClr>
+          </a:lnRef>
+          <a:fillRef idx="1">
+            <a:schemeClr val="accent1"/>
+          </a:fillRef>
+          <a:effectRef idx="0">
+            <a:schemeClr val="accent1"/>
+          </a:effectRef>
+          <a:fontRef idx="minor">
+            <a:schemeClr val="lt1"/>
+          </a:fontRef>
+        </p:style>
+        <p:txBody>
+          <a:bodyPr rtlCol="0" anchor="ctr"/>
+          <a:lstStyle/>
+          <a:p>
+            <a:pPr algn="ctr"/>
+            <a:r>
+              <a:rPr lang="en-US" altLang="ko-KR" dirty="0" smtClean="0">
+                <a:solidFill>
+                  <a:schemeClr val="bg1">
+                    <a:lumMod val="65000"/>
+                  </a:schemeClr>
+                </a:solidFill>
+              </a:rPr>
+              <a:t>Affiliation layer</a:t>
+            </a:r>
+            <a:endParaRPr lang="ko-KR" altLang="en-US" dirty="0">
+              <a:solidFill>
+                <a:schemeClr val="bg1">
+                  <a:lumMod val="65000"/>
+                </a:schemeClr>
+              </a:solidFill>
+            </a:endParaRPr>
+          </a:p>
+        </p:txBody>
+      </p:sp>
+      <p:cxnSp>
+        <p:nvCxnSpPr>
+          <p:cNvPr id="12" name="직선 연결선 11"/>
+          <p:cNvCxnSpPr/>
+          <p:nvPr/>
+        </p:nvCxnSpPr>
+        <p:spPr>
+          <a:xfrm>
+            <a:off x="144379" y="4306459"/>
+            <a:ext cx="5265019" cy="0"/>
+          </a:xfrm>
+          <a:prstGeom prst="line">
+            <a:avLst/>
+          </a:prstGeom>
+          <a:ln w="34925">
+            <a:solidFill>
+              <a:schemeClr val="accent1"/>
+            </a:solidFill>
+            <a:prstDash val="dash"/>
+          </a:ln>
+        </p:spPr>
+        <p:style>
+          <a:lnRef idx="1">
+            <a:schemeClr val="accent1"/>
+          </a:lnRef>
+          <a:fillRef idx="0">
+            <a:schemeClr val="accent1"/>
+          </a:fillRef>
+          <a:effectRef idx="0">
+            <a:schemeClr val="accent1"/>
+          </a:effectRef>
+          <a:fontRef idx="minor">
+            <a:schemeClr val="tx1"/>
+          </a:fontRef>
+        </p:style>
+      </p:cxnSp>
+      <p:sp>
+        <p:nvSpPr>
+          <p:cNvPr id="14" name="TextBox 13"/>
+          <p:cNvSpPr txBox="1"/>
+          <p:nvPr/>
+        </p:nvSpPr>
+        <p:spPr>
+          <a:xfrm>
+            <a:off x="3784093" y="3779075"/>
+            <a:ext cx="1843368" cy="369332"/>
+          </a:xfrm>
+          <a:prstGeom prst="rect">
+            <a:avLst/>
+          </a:prstGeom>
+          <a:noFill/>
+        </p:spPr>
+        <p:txBody>
+          <a:bodyPr wrap="square" rtlCol="0">
+            <a:spAutoFit/>
+          </a:bodyPr>
+          <a:lstStyle/>
+          <a:p>
+            <a:r>
+              <a:rPr lang="en-US" altLang="ko-KR" dirty="0"/>
+              <a:t>Instance layer</a:t>
+            </a:r>
+            <a:endParaRPr lang="ko-KR" altLang="en-US" dirty="0"/>
+          </a:p>
+        </p:txBody>
+      </p:sp>
+      <p:sp>
+        <p:nvSpPr>
+          <p:cNvPr id="15" name="TextBox 14"/>
+          <p:cNvSpPr txBox="1"/>
+          <p:nvPr/>
+        </p:nvSpPr>
+        <p:spPr>
+          <a:xfrm>
+            <a:off x="3784092" y="4372668"/>
+            <a:ext cx="2276505" cy="369332"/>
+          </a:xfrm>
+          <a:prstGeom prst="rect">
+            <a:avLst/>
+          </a:prstGeom>
+          <a:noFill/>
+        </p:spPr>
+        <p:txBody>
+          <a:bodyPr wrap="square" rtlCol="0">
+            <a:spAutoFit/>
+          </a:bodyPr>
+          <a:lstStyle/>
+          <a:p>
+            <a:r>
+              <a:rPr lang="en-US" altLang="ko-KR" dirty="0"/>
+              <a:t>Family layer</a:t>
+            </a:r>
+            <a:endParaRPr lang="ko-KR" altLang="en-US" dirty="0"/>
+          </a:p>
+        </p:txBody>
+      </p:sp>
+    </p:spTree>
+    <p:extLst>
+      <p:ext uri="{BB962C8B-B14F-4D97-AF65-F5344CB8AC3E}">
+        <p14:creationId xmlns:p14="http://schemas.microsoft.com/office/powerpoint/2010/main" val="2582918540"/>
+      </p:ext>
+    </p:extLst>
+  </p:cSld>
+  <p:clrMapOvr>
+    <a:masterClrMapping/>
+  </p:clrMapOvr>
+</p:sld>
+</file>
+
+<file path=ppt/slides/slide6.xml><?xml version="1.0" encoding="utf-8"?>
+<p:sld xmlns:a="http://schemas.openxmlformats.org/drawingml/2006/main" xmlns:r="http://schemas.openxmlformats.org/officeDocument/2006/relationships" xmlns:p="http://schemas.openxmlformats.org/presentationml/2006/main">
+  <p:cSld>
+    <p:spTree>
+      <p:nvGrpSpPr>
+        <p:cNvPr id="1" name=""/>
+        <p:cNvGrpSpPr/>
+        <p:nvPr/>
+      </p:nvGrpSpPr>
+      <p:grpSpPr>
+        <a:xfrm>
+          <a:off x="0" y="0"/>
+          <a:ext cx="0" cy="0"/>
+          <a:chOff x="0" y="0"/>
+          <a:chExt cx="0" cy="0"/>
+        </a:xfrm>
+      </p:grpSpPr>
+      <p:sp>
+        <p:nvSpPr>
+          <p:cNvPr id="8" name="모서리가 둥근 직사각형 7"/>
+          <p:cNvSpPr/>
+          <p:nvPr/>
+        </p:nvSpPr>
+        <p:spPr>
+          <a:xfrm>
+            <a:off x="335755" y="2160251"/>
+            <a:ext cx="3389222" cy="4524017"/>
+          </a:xfrm>
+          <a:prstGeom prst="roundRect">
+            <a:avLst>
+              <a:gd name="adj" fmla="val 4648"/>
+            </a:avLst>
+          </a:prstGeom>
+          <a:solidFill>
+            <a:schemeClr val="accent1">
+              <a:lumMod val="20000"/>
+              <a:lumOff val="80000"/>
+            </a:schemeClr>
+          </a:solidFill>
+        </p:spPr>
+        <p:style>
+          <a:lnRef idx="2">
+            <a:schemeClr val="accent1">
+              <a:shade val="50000"/>
+            </a:schemeClr>
+          </a:lnRef>
+          <a:fillRef idx="1">
+            <a:schemeClr val="accent1"/>
+          </a:fillRef>
+          <a:effectRef idx="0">
+            <a:schemeClr val="accent1"/>
+          </a:effectRef>
+          <a:fontRef idx="minor">
+            <a:schemeClr val="lt1"/>
+          </a:fontRef>
+        </p:style>
+        <p:txBody>
+          <a:bodyPr rtlCol="0" anchor="t"/>
+          <a:lstStyle/>
+          <a:p>
+            <a:pPr algn="ctr"/>
+            <a:r>
+              <a:rPr lang="en-US" altLang="ko-KR" dirty="0" smtClean="0">
+                <a:solidFill>
+                  <a:schemeClr val="bg1">
+                    <a:lumMod val="65000"/>
+                  </a:schemeClr>
+                </a:solidFill>
+              </a:rPr>
+              <a:t>Interacting layer</a:t>
+            </a:r>
+            <a:endParaRPr lang="ko-KR" altLang="en-US" dirty="0">
+              <a:solidFill>
+                <a:schemeClr val="bg1">
+                  <a:lumMod val="65000"/>
+                </a:schemeClr>
+              </a:solidFill>
+            </a:endParaRPr>
+          </a:p>
+        </p:txBody>
+      </p:sp>
+      <p:sp>
+        <p:nvSpPr>
+          <p:cNvPr id="6" name="모서리가 둥근 직사각형 5"/>
+          <p:cNvSpPr/>
+          <p:nvPr/>
+        </p:nvSpPr>
+        <p:spPr>
+          <a:xfrm>
+            <a:off x="606570" y="3177736"/>
+            <a:ext cx="2847592" cy="3459933"/>
+          </a:xfrm>
+          <a:prstGeom prst="roundRect">
+            <a:avLst>
+              <a:gd name="adj" fmla="val 4648"/>
+            </a:avLst>
+          </a:prstGeom>
+          <a:solidFill>
+            <a:schemeClr val="accent6">
+              <a:lumMod val="20000"/>
+              <a:lumOff val="80000"/>
+            </a:schemeClr>
+          </a:solidFill>
+        </p:spPr>
+        <p:style>
+          <a:lnRef idx="2">
+            <a:schemeClr val="accent1">
+              <a:shade val="50000"/>
+            </a:schemeClr>
+          </a:lnRef>
+          <a:fillRef idx="1">
+            <a:schemeClr val="accent1"/>
+          </a:fillRef>
+          <a:effectRef idx="0">
+            <a:schemeClr val="accent1"/>
+          </a:effectRef>
+          <a:fontRef idx="minor">
+            <a:schemeClr val="lt1"/>
+          </a:fontRef>
+        </p:style>
+        <p:txBody>
+          <a:bodyPr rtlCol="0" anchor="t"/>
+          <a:lstStyle/>
+          <a:p>
+            <a:pPr algn="ctr"/>
+            <a:r>
+              <a:rPr lang="en-US" altLang="ko-KR" dirty="0" smtClean="0">
+                <a:solidFill>
+                  <a:schemeClr val="bg1">
+                    <a:lumMod val="65000"/>
+                  </a:schemeClr>
+                </a:solidFill>
+              </a:rPr>
+              <a:t>Placement layer</a:t>
+            </a:r>
+            <a:endParaRPr lang="ko-KR" altLang="en-US" dirty="0">
+              <a:solidFill>
+                <a:schemeClr val="bg1">
+                  <a:lumMod val="65000"/>
+                </a:schemeClr>
+              </a:solidFill>
+            </a:endParaRPr>
+          </a:p>
+        </p:txBody>
+      </p:sp>
+      <p:sp>
+        <p:nvSpPr>
+          <p:cNvPr id="4" name="모서리가 둥근 직사각형 3"/>
+          <p:cNvSpPr/>
+          <p:nvPr/>
+        </p:nvSpPr>
+        <p:spPr>
+          <a:xfrm>
+            <a:off x="936501" y="4306459"/>
+            <a:ext cx="2187732" cy="2163347"/>
+          </a:xfrm>
+          <a:prstGeom prst="roundRect">
+            <a:avLst>
+              <a:gd name="adj" fmla="val 4648"/>
+            </a:avLst>
+          </a:prstGeom>
+          <a:solidFill>
+            <a:schemeClr val="accent4">
+              <a:lumMod val="20000"/>
+              <a:lumOff val="80000"/>
+            </a:schemeClr>
+          </a:solidFill>
+        </p:spPr>
+        <p:style>
+          <a:lnRef idx="2">
+            <a:schemeClr val="accent1">
+              <a:shade val="50000"/>
+            </a:schemeClr>
+          </a:lnRef>
+          <a:fillRef idx="1">
+            <a:schemeClr val="accent1"/>
+          </a:fillRef>
+          <a:effectRef idx="0">
+            <a:schemeClr val="accent1"/>
+          </a:effectRef>
+          <a:fontRef idx="minor">
+            <a:schemeClr val="lt1"/>
+          </a:fontRef>
+        </p:style>
+        <p:txBody>
+          <a:bodyPr rtlCol="0" anchor="t"/>
+          <a:lstStyle/>
+          <a:p>
+            <a:pPr algn="ctr"/>
+            <a:r>
+              <a:rPr lang="en-US" altLang="ko-KR" dirty="0" smtClean="0">
+                <a:solidFill>
+                  <a:schemeClr val="bg1">
+                    <a:lumMod val="65000"/>
+                  </a:schemeClr>
+                </a:solidFill>
+              </a:rPr>
+              <a:t>Shape layer</a:t>
+            </a:r>
+            <a:endParaRPr lang="ko-KR" altLang="en-US" dirty="0">
+              <a:solidFill>
+                <a:schemeClr val="bg1">
+                  <a:lumMod val="65000"/>
+                </a:schemeClr>
+              </a:solidFill>
+            </a:endParaRPr>
+          </a:p>
+        </p:txBody>
+      </p:sp>
+      <p:sp>
+        <p:nvSpPr>
+          <p:cNvPr id="5" name="TextBox 4"/>
+          <p:cNvSpPr txBox="1"/>
+          <p:nvPr/>
+        </p:nvSpPr>
+        <p:spPr>
+          <a:xfrm>
+            <a:off x="749643" y="461319"/>
+            <a:ext cx="3097643" cy="369332"/>
+          </a:xfrm>
+          <a:prstGeom prst="rect">
+            <a:avLst/>
+          </a:prstGeom>
+          <a:noFill/>
+        </p:spPr>
+        <p:txBody>
+          <a:bodyPr wrap="none" rtlCol="0">
+            <a:spAutoFit/>
+          </a:bodyPr>
+          <a:lstStyle/>
+          <a:p>
+            <a:r>
+              <a:rPr lang="en-US" altLang="ko-KR" dirty="0" smtClean="0"/>
+              <a:t>Attribute Layer System </a:t>
+            </a:r>
+            <a:r>
+              <a:rPr lang="ko-KR" altLang="en-US" dirty="0" smtClean="0"/>
+              <a:t>초안</a:t>
+            </a:r>
+            <a:endParaRPr lang="ko-KR" altLang="en-US" dirty="0"/>
+          </a:p>
+        </p:txBody>
+      </p:sp>
+      <p:sp>
+        <p:nvSpPr>
+          <p:cNvPr id="7" name="직사각형 6"/>
+          <p:cNvSpPr/>
+          <p:nvPr/>
+        </p:nvSpPr>
+        <p:spPr>
+          <a:xfrm>
+            <a:off x="553900" y="1367408"/>
+            <a:ext cx="2682209" cy="369332"/>
+          </a:xfrm>
+          <a:prstGeom prst="rect">
+            <a:avLst/>
+          </a:prstGeom>
+        </p:spPr>
+        <p:txBody>
+          <a:bodyPr wrap="none">
+            <a:spAutoFit/>
+          </a:bodyPr>
+          <a:lstStyle/>
+          <a:p>
+            <a:r>
+              <a:rPr lang="en-US" altLang="ko-KR" dirty="0" smtClean="0"/>
+              <a:t>&lt;At the Element Level&gt;</a:t>
+            </a:r>
+            <a:endParaRPr lang="ko-KR" altLang="en-US" dirty="0"/>
+          </a:p>
+        </p:txBody>
+      </p:sp>
+      <p:sp>
+        <p:nvSpPr>
+          <p:cNvPr id="9" name="모서리가 둥근 직사각형 8"/>
+          <p:cNvSpPr/>
+          <p:nvPr/>
+        </p:nvSpPr>
+        <p:spPr>
+          <a:xfrm>
+            <a:off x="1342433" y="4999633"/>
+            <a:ext cx="1391168" cy="1301850"/>
+          </a:xfrm>
+          <a:prstGeom prst="roundRect">
+            <a:avLst>
+              <a:gd name="adj" fmla="val 4648"/>
+            </a:avLst>
+          </a:prstGeom>
+          <a:solidFill>
+            <a:schemeClr val="accent2">
+              <a:lumMod val="20000"/>
+              <a:lumOff val="80000"/>
+            </a:schemeClr>
+          </a:solidFill>
+        </p:spPr>
+        <p:style>
+          <a:lnRef idx="2">
+            <a:schemeClr val="accent1">
+              <a:shade val="50000"/>
+            </a:schemeClr>
+          </a:lnRef>
+          <a:fillRef idx="1">
+            <a:schemeClr val="accent1"/>
+          </a:fillRef>
+          <a:effectRef idx="0">
+            <a:schemeClr val="accent1"/>
+          </a:effectRef>
+          <a:fontRef idx="minor">
+            <a:schemeClr val="lt1"/>
+          </a:fontRef>
+        </p:style>
+        <p:txBody>
+          <a:bodyPr rtlCol="0" anchor="ctr"/>
+          <a:lstStyle/>
+          <a:p>
+            <a:pPr algn="ctr"/>
+            <a:r>
+              <a:rPr lang="en-US" altLang="ko-KR" dirty="0" smtClean="0">
+                <a:solidFill>
+                  <a:schemeClr val="bg1">
+                    <a:lumMod val="65000"/>
+                  </a:schemeClr>
+                </a:solidFill>
+              </a:rPr>
+              <a:t>Affiliation layer</a:t>
+            </a:r>
+            <a:endParaRPr lang="ko-KR" altLang="en-US" dirty="0">
+              <a:solidFill>
+                <a:schemeClr val="bg1">
+                  <a:lumMod val="65000"/>
+                </a:schemeClr>
+              </a:solidFill>
+            </a:endParaRPr>
+          </a:p>
+        </p:txBody>
+      </p:sp>
+      <p:cxnSp>
+        <p:nvCxnSpPr>
+          <p:cNvPr id="12" name="직선 연결선 11"/>
+          <p:cNvCxnSpPr/>
+          <p:nvPr/>
+        </p:nvCxnSpPr>
+        <p:spPr>
+          <a:xfrm>
+            <a:off x="144379" y="4306459"/>
+            <a:ext cx="5265019" cy="0"/>
+          </a:xfrm>
+          <a:prstGeom prst="line">
+            <a:avLst/>
+          </a:prstGeom>
+          <a:ln w="34925">
+            <a:solidFill>
+              <a:schemeClr val="accent1"/>
+            </a:solidFill>
+            <a:prstDash val="dash"/>
+          </a:ln>
+        </p:spPr>
+        <p:style>
+          <a:lnRef idx="1">
+            <a:schemeClr val="accent1"/>
+          </a:lnRef>
+          <a:fillRef idx="0">
+            <a:schemeClr val="accent1"/>
+          </a:fillRef>
+          <a:effectRef idx="0">
+            <a:schemeClr val="accent1"/>
+          </a:effectRef>
+          <a:fontRef idx="minor">
+            <a:schemeClr val="tx1"/>
+          </a:fontRef>
+        </p:style>
+      </p:cxnSp>
+      <p:sp>
+        <p:nvSpPr>
+          <p:cNvPr id="14" name="TextBox 13"/>
+          <p:cNvSpPr txBox="1"/>
+          <p:nvPr/>
+        </p:nvSpPr>
+        <p:spPr>
+          <a:xfrm>
+            <a:off x="3784093" y="3779075"/>
+            <a:ext cx="1843368" cy="369332"/>
+          </a:xfrm>
+          <a:prstGeom prst="rect">
+            <a:avLst/>
+          </a:prstGeom>
+          <a:noFill/>
+        </p:spPr>
+        <p:txBody>
+          <a:bodyPr wrap="square" rtlCol="0">
+            <a:spAutoFit/>
+          </a:bodyPr>
+          <a:lstStyle/>
+          <a:p>
+            <a:r>
+              <a:rPr lang="en-US" altLang="ko-KR" dirty="0"/>
+              <a:t>Instance layer</a:t>
+            </a:r>
+            <a:endParaRPr lang="ko-KR" altLang="en-US" dirty="0"/>
+          </a:p>
+        </p:txBody>
+      </p:sp>
+      <p:sp>
+        <p:nvSpPr>
+          <p:cNvPr id="15" name="TextBox 14"/>
+          <p:cNvSpPr txBox="1"/>
+          <p:nvPr/>
+        </p:nvSpPr>
+        <p:spPr>
+          <a:xfrm>
+            <a:off x="3784092" y="4372668"/>
+            <a:ext cx="2276505" cy="369332"/>
+          </a:xfrm>
+          <a:prstGeom prst="rect">
+            <a:avLst/>
+          </a:prstGeom>
+          <a:noFill/>
+        </p:spPr>
+        <p:txBody>
+          <a:bodyPr wrap="square" rtlCol="0">
+            <a:spAutoFit/>
+          </a:bodyPr>
+          <a:lstStyle/>
+          <a:p>
+            <a:r>
+              <a:rPr lang="en-US" altLang="ko-KR" dirty="0"/>
+              <a:t>Family layer</a:t>
+            </a:r>
+            <a:endParaRPr lang="ko-KR" altLang="en-US" dirty="0"/>
+          </a:p>
+        </p:txBody>
+      </p:sp>
+    </p:spTree>
+    <p:extLst>
+      <p:ext uri="{BB962C8B-B14F-4D97-AF65-F5344CB8AC3E}">
+        <p14:creationId xmlns:p14="http://schemas.microsoft.com/office/powerpoint/2010/main" val="3171739745"/>
       </p:ext>
     </p:extLst>
   </p:cSld>
